--- a/操作系统概念/第10版/PPT/ch13-FileSystemInterface.pptx
+++ b/操作系统概念/第10版/PPT/ch13-FileSystemInterface.pptx
@@ -16517,10 +16517,10 @@
               </a:lnSpc>
             </a:pPr>
             <a:r>
-              <a:rPr lang="en-US" altLang="en-US" dirty="0"/>
+              <a:rPr lang="en-US" altLang="en-US" sz="2000" dirty="0"/>
               <a:t>None - sequence of words, bytes</a:t>
             </a:r>
-            <a:endParaRPr lang="en-US" altLang="en-US" dirty="0"/>
+            <a:endParaRPr lang="en-US" altLang="en-US" sz="2000" dirty="0"/>
           </a:p>
           <a:p>
             <a:pPr>
@@ -16529,10 +16529,10 @@
               </a:lnSpc>
             </a:pPr>
             <a:r>
-              <a:rPr lang="en-US" altLang="en-US" dirty="0"/>
+              <a:rPr lang="en-US" altLang="en-US" sz="2000" dirty="0"/>
               <a:t>Simple record structure</a:t>
             </a:r>
-            <a:endParaRPr lang="en-US" altLang="en-US" dirty="0"/>
+            <a:endParaRPr lang="en-US" altLang="en-US" sz="2000" dirty="0"/>
           </a:p>
           <a:p>
             <a:pPr lvl="1">
@@ -16541,10 +16541,10 @@
               </a:lnSpc>
             </a:pPr>
             <a:r>
-              <a:rPr lang="en-US" altLang="en-US" dirty="0"/>
+              <a:rPr lang="en-US" altLang="en-US" sz="2000" dirty="0"/>
               <a:t>Lines </a:t>
             </a:r>
-            <a:endParaRPr lang="en-US" altLang="en-US" dirty="0"/>
+            <a:endParaRPr lang="en-US" altLang="en-US" sz="2000" dirty="0"/>
           </a:p>
           <a:p>
             <a:pPr lvl="1">
@@ -16553,10 +16553,10 @@
               </a:lnSpc>
             </a:pPr>
             <a:r>
-              <a:rPr lang="en-US" altLang="en-US" dirty="0"/>
+              <a:rPr lang="en-US" altLang="en-US" sz="2000" dirty="0"/>
               <a:t>Fixed length</a:t>
             </a:r>
-            <a:endParaRPr lang="en-US" altLang="en-US" dirty="0"/>
+            <a:endParaRPr lang="en-US" altLang="en-US" sz="2000" dirty="0"/>
           </a:p>
           <a:p>
             <a:pPr lvl="1">
@@ -16565,10 +16565,10 @@
               </a:lnSpc>
             </a:pPr>
             <a:r>
-              <a:rPr lang="en-US" altLang="en-US" dirty="0"/>
+              <a:rPr lang="en-US" altLang="en-US" sz="2000" dirty="0"/>
               <a:t>Variable length</a:t>
             </a:r>
-            <a:endParaRPr lang="en-US" altLang="en-US" dirty="0"/>
+            <a:endParaRPr lang="en-US" altLang="en-US" sz="2000" dirty="0"/>
           </a:p>
           <a:p>
             <a:pPr>
@@ -16577,10 +16577,10 @@
               </a:lnSpc>
             </a:pPr>
             <a:r>
-              <a:rPr lang="en-US" altLang="en-US" dirty="0"/>
+              <a:rPr lang="en-US" altLang="en-US" sz="2000" dirty="0"/>
               <a:t>Complex Structures</a:t>
             </a:r>
-            <a:endParaRPr lang="en-US" altLang="en-US" dirty="0"/>
+            <a:endParaRPr lang="en-US" altLang="en-US" sz="2000" dirty="0"/>
           </a:p>
           <a:p>
             <a:pPr lvl="1">
@@ -16589,10 +16589,10 @@
               </a:lnSpc>
             </a:pPr>
             <a:r>
-              <a:rPr lang="en-US" altLang="en-US" dirty="0"/>
+              <a:rPr lang="en-US" altLang="en-US" sz="2000" dirty="0"/>
               <a:t>Formatted document</a:t>
             </a:r>
-            <a:endParaRPr lang="en-US" altLang="en-US" dirty="0"/>
+            <a:endParaRPr lang="en-US" altLang="en-US" sz="2000" dirty="0"/>
           </a:p>
           <a:p>
             <a:pPr lvl="1">
@@ -16601,10 +16601,10 @@
               </a:lnSpc>
             </a:pPr>
             <a:r>
-              <a:rPr lang="en-US" altLang="en-US" dirty="0"/>
+              <a:rPr lang="en-US" altLang="en-US" sz="2000" dirty="0"/>
               <a:t>Relocatable load file	</a:t>
             </a:r>
-            <a:endParaRPr lang="en-US" altLang="en-US" dirty="0"/>
+            <a:endParaRPr lang="en-US" altLang="en-US" sz="2000" dirty="0"/>
           </a:p>
           <a:p>
             <a:pPr>
@@ -16613,10 +16613,10 @@
               </a:lnSpc>
             </a:pPr>
             <a:r>
-              <a:rPr lang="en-US" altLang="en-US" dirty="0"/>
-              <a:t>Can simulate last two with first method by inserting appropriate control characters</a:t>
-            </a:r>
-            <a:endParaRPr lang="en-US" altLang="en-US" dirty="0"/>
+              <a:rPr lang="en-US" altLang="en-US" sz="2000" dirty="0"/>
+              <a:t>Can simulate last two with first method by inserting appropriate control characters.可以通过插入适当的控制字符用第一种方法模拟后两个.</a:t>
+            </a:r>
+            <a:endParaRPr lang="en-US" altLang="en-US" sz="2000" dirty="0"/>
           </a:p>
           <a:p>
             <a:pPr>
@@ -16625,10 +16625,10 @@
               </a:lnSpc>
             </a:pPr>
             <a:r>
-              <a:rPr lang="en-US" altLang="en-US" dirty="0"/>
-              <a:t>Who decides:</a:t>
-            </a:r>
-            <a:endParaRPr lang="en-US" altLang="en-US" dirty="0"/>
+              <a:rPr lang="en-US" altLang="en-US" sz="2000" dirty="0"/>
+              <a:t>Who decides:谁来决定：</a:t>
+            </a:r>
+            <a:endParaRPr lang="en-US" altLang="en-US" sz="2000" dirty="0"/>
           </a:p>
           <a:p>
             <a:pPr lvl="1">
@@ -16637,10 +16637,10 @@
               </a:lnSpc>
             </a:pPr>
             <a:r>
-              <a:rPr lang="en-US" altLang="en-US" dirty="0"/>
+              <a:rPr lang="en-US" altLang="en-US" sz="2000" dirty="0"/>
               <a:t>Operating system</a:t>
             </a:r>
-            <a:endParaRPr lang="en-US" altLang="en-US" dirty="0"/>
+            <a:endParaRPr lang="en-US" altLang="en-US" sz="2000" dirty="0"/>
           </a:p>
           <a:p>
             <a:pPr lvl="1">
@@ -16649,10 +16649,10 @@
               </a:lnSpc>
             </a:pPr>
             <a:r>
-              <a:rPr lang="en-US" altLang="en-US" dirty="0"/>
+              <a:rPr lang="en-US" altLang="en-US" sz="2000" dirty="0"/>
               <a:t>Program</a:t>
             </a:r>
-            <a:endParaRPr lang="en-US" altLang="en-US" dirty="0"/>
+            <a:endParaRPr lang="en-US" altLang="en-US" sz="2000" dirty="0"/>
           </a:p>
         </p:txBody>
       </p:sp>
@@ -16706,6 +16706,15 @@
               <a:rPr lang="en-US" altLang="en-US" dirty="0"/>
               <a:t>Access Methods</a:t>
             </a:r>
+            <a:r>
+              <a:rPr lang="en-US" altLang="en-US" dirty="0">
+                <a:solidFill>
+                  <a:srgbClr val="000000"/>
+                </a:solidFill>
+                <a:sym typeface="+mn-ea"/>
+              </a:rPr>
+              <a:t>访问方法</a:t>
+            </a:r>
             <a:endParaRPr lang="en-US" altLang="en-US" dirty="0"/>
           </a:p>
         </p:txBody>
@@ -16740,56 +16749,101 @@
               </a:tabLst>
             </a:pPr>
             <a:r>
-              <a:rPr lang="en-US" altLang="en-US" dirty="0">
+              <a:rPr lang="en-US" altLang="en-US" sz="2800" dirty="0">
                 <a:solidFill>
                   <a:srgbClr val="000000"/>
                 </a:solidFill>
+                <a:latin typeface="+mn-ea"/>
+                <a:ea typeface="+mn-ea"/>
+                <a:cs typeface="+mn-ea"/>
               </a:rPr>
               <a:t>A</a:t>
             </a:r>
             <a:r>
-              <a:rPr lang="en-US" altLang="en-US" b="1" dirty="0">
+              <a:rPr lang="en-US" altLang="en-US" sz="2800" b="1" dirty="0">
                 <a:solidFill>
                   <a:srgbClr val="000000"/>
                 </a:solidFill>
+                <a:latin typeface="+mn-ea"/>
+                <a:ea typeface="+mn-ea"/>
+                <a:cs typeface="+mn-ea"/>
               </a:rPr>
               <a:t> </a:t>
             </a:r>
             <a:r>
-              <a:rPr lang="en-US" altLang="en-US" dirty="0">
+              <a:rPr lang="en-US" altLang="en-US" sz="2800" dirty="0">
                 <a:solidFill>
                   <a:srgbClr val="000000"/>
                 </a:solidFill>
+                <a:latin typeface="+mn-ea"/>
+                <a:ea typeface="+mn-ea"/>
+                <a:cs typeface="+mn-ea"/>
               </a:rPr>
               <a:t>file is fixed length </a:t>
             </a:r>
             <a:r>
-              <a:rPr lang="en-US" altLang="en-US" b="1" dirty="0">
+              <a:rPr lang="en-US" altLang="en-US" sz="2800" b="1" dirty="0">
                 <a:solidFill>
                   <a:srgbClr val="006699"/>
                 </a:solidFill>
-                <a:latin typeface="+mj-lt"/>
+                <a:latin typeface="+mn-ea"/>
+                <a:ea typeface="+mn-ea"/>
+                <a:cs typeface="+mn-ea"/>
               </a:rPr>
               <a:t>logical</a:t>
             </a:r>
             <a:r>
-              <a:rPr lang="en-US" altLang="en-US" dirty="0">
+              <a:rPr lang="en-US" altLang="en-US" sz="2800" dirty="0">
                 <a:solidFill>
                   <a:srgbClr val="0033CC"/>
                 </a:solidFill>
+                <a:latin typeface="+mn-ea"/>
+                <a:ea typeface="+mn-ea"/>
+                <a:cs typeface="+mn-ea"/>
               </a:rPr>
               <a:t> </a:t>
             </a:r>
             <a:r>
-              <a:rPr lang="en-US" altLang="en-US" b="1" dirty="0">
+              <a:rPr lang="en-US" altLang="en-US" sz="2800" b="1" dirty="0">
                 <a:solidFill>
                   <a:srgbClr val="006699"/>
                 </a:solidFill>
-                <a:latin typeface="+mj-lt"/>
-              </a:rPr>
-              <a:t>records</a:t>
-            </a:r>
-            <a:endParaRPr lang="en-US" altLang="en-US" b="1" dirty="0"/>
+                <a:latin typeface="+mn-ea"/>
+                <a:ea typeface="+mn-ea"/>
+                <a:cs typeface="+mn-ea"/>
+              </a:rPr>
+              <a:t>records.</a:t>
+            </a:r>
+            <a:r>
+              <a:rPr lang="en-US" altLang="en-US" sz="2800" dirty="0">
+                <a:solidFill>
+                  <a:schemeClr val="tx1"/>
+                </a:solidFill>
+                <a:latin typeface="+mn-ea"/>
+                <a:ea typeface="+mn-ea"/>
+                <a:cs typeface="+mn-ea"/>
+              </a:rPr>
+              <a:t>一个文件是定长的</a:t>
+            </a:r>
+            <a:r>
+              <a:rPr lang="en-US" altLang="en-US" sz="2800" b="1" dirty="0">
+                <a:solidFill>
+                  <a:srgbClr val="006699"/>
+                </a:solidFill>
+                <a:latin typeface="+mn-ea"/>
+                <a:ea typeface="+mn-ea"/>
+                <a:cs typeface="+mn-ea"/>
+              </a:rPr>
+              <a:t>逻辑记录。</a:t>
+            </a:r>
+            <a:endParaRPr lang="en-US" altLang="en-US" sz="2800" b="1" dirty="0">
+              <a:solidFill>
+                <a:srgbClr val="006699"/>
+              </a:solidFill>
+              <a:latin typeface="+mn-ea"/>
+              <a:ea typeface="+mn-ea"/>
+              <a:cs typeface="+mn-ea"/>
+            </a:endParaRPr>
           </a:p>
           <a:p>
             <a:pPr>
@@ -16802,10 +16856,18 @@
               </a:tabLst>
             </a:pPr>
             <a:r>
-              <a:rPr lang="en-US" altLang="en-US" b="1" dirty="0"/>
-              <a:t>Sequential Access</a:t>
-            </a:r>
-            <a:endParaRPr lang="en-US" altLang="en-US" b="1" dirty="0"/>
+              <a:rPr lang="en-US" altLang="en-US" sz="2800" b="1" dirty="0">
+                <a:latin typeface="+mn-ea"/>
+                <a:ea typeface="+mn-ea"/>
+                <a:cs typeface="+mn-ea"/>
+              </a:rPr>
+              <a:t>Sequential Access.顺序访问</a:t>
+            </a:r>
+            <a:endParaRPr lang="en-US" altLang="en-US" sz="2800" b="1" dirty="0">
+              <a:latin typeface="+mn-ea"/>
+              <a:ea typeface="+mn-ea"/>
+              <a:cs typeface="+mn-ea"/>
+            </a:endParaRPr>
           </a:p>
           <a:p>
             <a:pPr>
@@ -16818,17 +16880,23 @@
               </a:tabLst>
             </a:pPr>
             <a:r>
-              <a:rPr lang="en-US" altLang="en-US" b="1" dirty="0">
+              <a:rPr lang="en-US" altLang="en-US" sz="2800" b="1" dirty="0">
                 <a:solidFill>
                   <a:srgbClr val="000000"/>
                 </a:solidFill>
-              </a:rPr>
-              <a:t>Direct Access</a:t>
-            </a:r>
-            <a:endParaRPr lang="en-US" altLang="en-US" b="1" dirty="0">
+                <a:latin typeface="+mn-ea"/>
+                <a:ea typeface="+mn-ea"/>
+                <a:cs typeface="+mn-ea"/>
+              </a:rPr>
+              <a:t>Direct Access.直接访问</a:t>
+            </a:r>
+            <a:endParaRPr lang="en-US" altLang="en-US" sz="2800" b="1" dirty="0">
               <a:solidFill>
                 <a:srgbClr val="000000"/>
               </a:solidFill>
+              <a:latin typeface="+mn-ea"/>
+              <a:ea typeface="+mn-ea"/>
+              <a:cs typeface="+mn-ea"/>
             </a:endParaRPr>
           </a:p>
           <a:p>
@@ -16842,14 +16910,24 @@
               </a:tabLst>
             </a:pPr>
             <a:r>
-              <a:rPr lang="en-US" altLang="en-US" b="1" dirty="0">
+              <a:rPr lang="en-US" altLang="en-US" sz="2800" b="1" dirty="0">
                 <a:solidFill>
                   <a:srgbClr val="000000"/>
                 </a:solidFill>
-              </a:rPr>
-              <a:t>Other Access Methods</a:t>
-            </a:r>
-            <a:endParaRPr lang="en-US" altLang="en-US" dirty="0"/>
+                <a:latin typeface="+mn-ea"/>
+                <a:ea typeface="+mn-ea"/>
+                <a:cs typeface="+mn-ea"/>
+              </a:rPr>
+              <a:t>Other Access Methods.其他访问方法</a:t>
+            </a:r>
+            <a:endParaRPr lang="en-US" altLang="en-US" sz="2800" b="1" dirty="0">
+              <a:solidFill>
+                <a:srgbClr val="000000"/>
+              </a:solidFill>
+              <a:latin typeface="+mn-ea"/>
+              <a:ea typeface="+mn-ea"/>
+              <a:cs typeface="+mn-ea"/>
+            </a:endParaRPr>
           </a:p>
         </p:txBody>
       </p:sp>
@@ -16903,6 +16981,15 @@
               <a:rPr lang="en-US" altLang="en-US" dirty="0"/>
               <a:t>Sequential Access</a:t>
             </a:r>
+            <a:r>
+              <a:rPr lang="en-US" altLang="en-US" dirty="0">
+                <a:latin typeface="+mn-ea"/>
+                <a:ea typeface="+mn-ea"/>
+                <a:cs typeface="+mn-ea"/>
+                <a:sym typeface="+mn-ea"/>
+              </a:rPr>
+              <a:t>顺序访问</a:t>
+            </a:r>
             <a:endParaRPr lang="en-US" altLang="en-US" dirty="0"/>
           </a:p>
         </p:txBody>
@@ -17050,7 +17137,7 @@
                   <a:srgbClr val="000000"/>
                 </a:solidFill>
               </a:rPr>
-              <a:t>no read after last write  (rewrite)</a:t>
+              <a:t>no read after last write  (rewrite).上次写入后没有读取（重写）</a:t>
             </a:r>
             <a:endParaRPr lang="en-US" altLang="en-US" dirty="0">
               <a:solidFill>
@@ -17096,10 +17183,66 @@
               </a:rPr>
               <a:t>Figure</a:t>
             </a:r>
-            <a:endParaRPr lang="en-US" altLang="en-US" dirty="0">
+            <a:r>
+              <a:rPr lang="zh-CN" altLang="en-US" sz="1800" dirty="0">
+                <a:solidFill>
+                  <a:srgbClr val="000000"/>
+                </a:solidFill>
+                <a:latin typeface="+mn-ea"/>
+                <a:ea typeface="+mn-ea"/>
+              </a:rPr>
+              <a:t>图解</a:t>
+            </a:r>
+            <a:endParaRPr lang="zh-CN" altLang="en-US" sz="1800" dirty="0">
               <a:solidFill>
                 <a:srgbClr val="000000"/>
               </a:solidFill>
+              <a:latin typeface="+mn-ea"/>
+              <a:ea typeface="+mn-ea"/>
+            </a:endParaRPr>
+          </a:p>
+          <a:p>
+            <a:pPr lvl="1">
+              <a:lnSpc>
+                <a:spcPct val="90000"/>
+              </a:lnSpc>
+              <a:spcBef>
+                <a:spcPct val="10000"/>
+              </a:spcBef>
+              <a:tabLst>
+                <a:tab pos="3203575" algn="l"/>
+                <a:tab pos="4055745" algn="l"/>
+              </a:tabLst>
+            </a:pPr>
+            <a:r>
+              <a:rPr lang="en-US" altLang="zh-CN" sz="1600" dirty="0">
+                <a:solidFill>
+                  <a:srgbClr val="000000"/>
+                </a:solidFill>
+                <a:latin typeface="+mn-ea"/>
+                <a:ea typeface="+mn-ea"/>
+                <a:cs typeface="+mn-ea"/>
+              </a:rPr>
+              <a:t>rewind</a:t>
+            </a:r>
+            <a:r>
+              <a:rPr lang="zh-CN" altLang="en-US" sz="1600" dirty="0">
+                <a:solidFill>
+                  <a:srgbClr val="000000"/>
+                </a:solidFill>
+                <a:latin typeface="+mn-ea"/>
+                <a:ea typeface="+mn-ea"/>
+                <a:cs typeface="+mn-ea"/>
+              </a:rPr>
+              <a:t>倒带</a:t>
+            </a:r>
+            <a:endParaRPr lang="zh-CN" altLang="en-US" sz="1600" dirty="0">
+              <a:solidFill>
+                <a:srgbClr val="000000"/>
+              </a:solidFill>
+              <a:latin typeface="+mn-ea"/>
+              <a:ea typeface="+mn-ea"/>
+              <a:cs typeface="+mn-ea"/>
             </a:endParaRPr>
           </a:p>
         </p:txBody>
@@ -17208,6 +17351,18 @@
               <a:rPr lang="en-US" altLang="en-US" dirty="0"/>
               <a:t>Direct Access</a:t>
             </a:r>
+            <a:r>
+              <a:rPr lang="en-US" altLang="en-US" dirty="0">
+                <a:solidFill>
+                  <a:srgbClr val="000000"/>
+                </a:solidFill>
+                <a:latin typeface="+mn-ea"/>
+                <a:ea typeface="+mn-ea"/>
+                <a:cs typeface="+mn-ea"/>
+                <a:sym typeface="+mn-ea"/>
+              </a:rPr>
+              <a:t>直接访问</a:t>
+            </a:r>
             <a:endParaRPr lang="en-US" altLang="en-US" dirty="0"/>
           </a:p>
         </p:txBody>
@@ -17224,8 +17379,8 @@
         </p:nvSpPr>
         <p:spPr>
           <a:xfrm>
-            <a:off x="862365" y="964643"/>
-            <a:ext cx="5595585" cy="4496763"/>
+            <a:off x="862330" y="964565"/>
+            <a:ext cx="7717790" cy="4773295"/>
           </a:xfrm>
         </p:spPr>
         <p:txBody>
@@ -17528,7 +17683,7 @@
                 </a:solidFill>
                 <a:latin typeface="+mj-lt"/>
               </a:rPr>
-              <a:t>number</a:t>
+              <a:t>number.相对块号</a:t>
             </a:r>
             <a:endParaRPr lang="en-US" altLang="en-US" b="1" dirty="0">
               <a:solidFill>
@@ -17571,7 +17726,7 @@
             </a:pPr>
             <a:r>
               <a:rPr lang="en-US" altLang="en-US" dirty="0"/>
-              <a:t>Relative block numbers allow OS to decide where file should be placed</a:t>
+              <a:t>Relative block numbers allow OS to decide where file should be placed.相对块号允许操作系统决定文件应该放置的位置。</a:t>
             </a:r>
             <a:endParaRPr lang="en-US" altLang="en-US" dirty="0"/>
           </a:p>
@@ -17614,7 +17769,7 @@
         </p:nvSpPr>
         <p:spPr>
           <a:xfrm>
-            <a:off x="999805" y="74595"/>
+            <a:off x="984565" y="265095"/>
             <a:ext cx="8229600" cy="576262"/>
           </a:xfrm>
         </p:spPr>
@@ -17624,10 +17779,10 @@
           <a:p>
             <a:pPr eaLnBrk="1" hangingPunct="1"/>
             <a:r>
-              <a:rPr lang="en-US" altLang="en-US" sz="2200" dirty="0"/>
-              <a:t>Simulation of Sequential Access on Direct-access File</a:t>
-            </a:r>
-            <a:endParaRPr lang="en-US" altLang="en-US" sz="2200" dirty="0"/>
+              <a:rPr lang="en-US" altLang="en-US" sz="2000" dirty="0"/>
+              <a:t>Simulation of Sequential Access on Direct-access File直接访问文件的顺序访问模拟</a:t>
+            </a:r>
+            <a:endParaRPr lang="en-US" altLang="en-US" sz="2000" dirty="0"/>
           </a:p>
         </p:txBody>
       </p:sp>
@@ -17735,6 +17890,18 @@
               <a:rPr lang="en-US" altLang="en-US" dirty="0"/>
               <a:t>Other Access Methods</a:t>
             </a:r>
+            <a:r>
+              <a:rPr lang="en-US" altLang="en-US" dirty="0">
+                <a:solidFill>
+                  <a:srgbClr val="000000"/>
+                </a:solidFill>
+                <a:latin typeface="+mn-ea"/>
+                <a:ea typeface="+mn-ea"/>
+                <a:cs typeface="+mn-ea"/>
+                <a:sym typeface="+mn-ea"/>
+              </a:rPr>
+              <a:t>其他访问方法</a:t>
+            </a:r>
             <a:endParaRPr lang="en-US" altLang="en-US" dirty="0"/>
           </a:p>
         </p:txBody>
@@ -17751,8 +17918,8 @@
         </p:nvSpPr>
         <p:spPr>
           <a:xfrm>
-            <a:off x="900113" y="996013"/>
-            <a:ext cx="6323648" cy="4163695"/>
+            <a:off x="454025" y="910590"/>
+            <a:ext cx="8162290" cy="5621020"/>
           </a:xfrm>
         </p:spPr>
         <p:txBody>
@@ -17769,17 +17936,21 @@
               </a:tabLst>
             </a:pPr>
             <a:r>
-              <a:rPr lang="en-US" altLang="en-US" dirty="0">
+              <a:rPr lang="en-US" altLang="en-US" sz="1800" dirty="0">
                 <a:solidFill>
                   <a:srgbClr val="000000"/>
                 </a:solidFill>
-              </a:rPr>
-              <a:t>Can be other access methods built on top of base methods</a:t>
-            </a:r>
-            <a:endParaRPr lang="en-US" altLang="en-US" dirty="0">
+                <a:latin typeface="+mn-ea"/>
+                <a:ea typeface="+mn-ea"/>
+              </a:rPr>
+              <a:t>Can be other access methods built on top of base methods.可以是建立在基本方法之上的其他访问方法。</a:t>
+            </a:r>
+            <a:endParaRPr lang="en-US" altLang="en-US" sz="1800" dirty="0">
               <a:solidFill>
                 <a:srgbClr val="000000"/>
               </a:solidFill>
+              <a:latin typeface="+mn-ea"/>
+              <a:ea typeface="+mn-ea"/>
             </a:endParaRPr>
           </a:p>
           <a:p>
@@ -17793,34 +17964,41 @@
               </a:tabLst>
             </a:pPr>
             <a:r>
-              <a:rPr lang="en-US" altLang="en-US" dirty="0">
+              <a:rPr lang="en-US" altLang="en-US" sz="1800" dirty="0">
                 <a:solidFill>
                   <a:srgbClr val="000000"/>
                 </a:solidFill>
+                <a:latin typeface="+mn-ea"/>
+                <a:ea typeface="+mn-ea"/>
               </a:rPr>
               <a:t>General involve creation of an </a:t>
             </a:r>
             <a:r>
-              <a:rPr lang="en-US" altLang="en-US" b="1" dirty="0">
+              <a:rPr lang="en-US" altLang="en-US" sz="1800" b="1" dirty="0">
                 <a:solidFill>
                   <a:srgbClr val="006699"/>
                 </a:solidFill>
-                <a:latin typeface="+mj-lt"/>
+                <a:latin typeface="+mn-ea"/>
+                <a:ea typeface="+mn-ea"/>
               </a:rPr>
               <a:t>index</a:t>
             </a:r>
             <a:r>
-              <a:rPr lang="en-US" altLang="en-US" dirty="0">
+              <a:rPr lang="en-US" altLang="en-US" sz="1800" dirty="0">
                 <a:solidFill>
                   <a:srgbClr val="000000"/>
                 </a:solidFill>
-              </a:rPr>
-              <a:t> for the file</a:t>
-            </a:r>
-            <a:endParaRPr lang="en-US" altLang="en-US" dirty="0">
+                <a:latin typeface="+mn-ea"/>
+                <a:ea typeface="+mn-ea"/>
+              </a:rPr>
+              <a:t> for the file.一般涉及为文件创建索引。</a:t>
+            </a:r>
+            <a:endParaRPr lang="en-US" altLang="en-US" sz="1800" dirty="0">
               <a:solidFill>
                 <a:srgbClr val="000000"/>
               </a:solidFill>
+              <a:latin typeface="+mn-ea"/>
+              <a:ea typeface="+mn-ea"/>
             </a:endParaRPr>
           </a:p>
           <a:p>
@@ -17834,17 +18012,21 @@
               </a:tabLst>
             </a:pPr>
             <a:r>
-              <a:rPr lang="en-US" altLang="en-US" dirty="0">
+              <a:rPr lang="en-US" altLang="en-US" sz="1800" dirty="0">
                 <a:solidFill>
                   <a:srgbClr val="000000"/>
                 </a:solidFill>
-              </a:rPr>
-              <a:t>Keep index in memory for fast determination of location of data to be operated on (consider Universal Produce Code (UPC code) plus record of data about that item)</a:t>
-            </a:r>
-            <a:endParaRPr lang="en-US" altLang="en-US" dirty="0">
+                <a:latin typeface="+mn-ea"/>
+                <a:ea typeface="+mn-ea"/>
+              </a:rPr>
+              <a:t>Keep index in memory for fast determination of location of data to be operated on (consider Universal Produce Code (UPC code) plus record of data about that item).将索引保存在内存中，以便快速确定要操作的数据的位置（考虑通用生产代码（UPC 代码）加上有关该项目的数据记录）。</a:t>
+            </a:r>
+            <a:endParaRPr lang="en-US" altLang="en-US" sz="1800" dirty="0">
               <a:solidFill>
                 <a:srgbClr val="000000"/>
               </a:solidFill>
+              <a:latin typeface="+mn-ea"/>
+              <a:ea typeface="+mn-ea"/>
             </a:endParaRPr>
           </a:p>
           <a:p>
@@ -17858,17 +18040,21 @@
               </a:tabLst>
             </a:pPr>
             <a:r>
-              <a:rPr lang="en-US" altLang="en-US" dirty="0">
+              <a:rPr lang="en-US" altLang="en-US" sz="1800" dirty="0">
                 <a:solidFill>
                   <a:srgbClr val="000000"/>
                 </a:solidFill>
-              </a:rPr>
-              <a:t>If the index is too large, create an in-memory index, which an index of a disk index</a:t>
-            </a:r>
-            <a:endParaRPr lang="en-US" altLang="en-US" dirty="0">
+                <a:latin typeface="+mn-ea"/>
+                <a:ea typeface="+mn-ea"/>
+              </a:rPr>
+              <a:t>If the index is too large, create an in-memory index, which an index of a disk index.如果索引太大，创建一个内存索引，它是一个磁盘索引的索引。</a:t>
+            </a:r>
+            <a:endParaRPr lang="en-US" altLang="en-US" sz="1800" dirty="0">
               <a:solidFill>
                 <a:srgbClr val="000000"/>
               </a:solidFill>
+              <a:latin typeface="+mn-ea"/>
+              <a:ea typeface="+mn-ea"/>
             </a:endParaRPr>
           </a:p>
           <a:p>
@@ -17882,17 +18068,21 @@
               </a:tabLst>
             </a:pPr>
             <a:r>
-              <a:rPr lang="en-US" altLang="en-US" dirty="0">
+              <a:rPr lang="en-US" altLang="en-US" sz="1800" dirty="0">
                 <a:solidFill>
                   <a:srgbClr val="000000"/>
                 </a:solidFill>
-              </a:rPr>
-              <a:t>IBM indexed sequential-access method (ISAM)</a:t>
-            </a:r>
-            <a:endParaRPr lang="en-US" altLang="en-US" dirty="0">
+                <a:latin typeface="+mn-ea"/>
+                <a:ea typeface="+mn-ea"/>
+              </a:rPr>
+              <a:t>IBM indexed sequential-access method (ISAM).IBM 索引顺序访问方法 (ISAM)。</a:t>
+            </a:r>
+            <a:endParaRPr lang="en-US" altLang="en-US" sz="1800" dirty="0">
               <a:solidFill>
                 <a:srgbClr val="000000"/>
               </a:solidFill>
+              <a:latin typeface="+mn-ea"/>
+              <a:ea typeface="+mn-ea"/>
             </a:endParaRPr>
           </a:p>
           <a:p>
@@ -17906,17 +18096,21 @@
               </a:tabLst>
             </a:pPr>
             <a:r>
-              <a:rPr lang="en-US" altLang="en-US" dirty="0">
+              <a:rPr lang="en-US" altLang="en-US" sz="1800" dirty="0">
                 <a:solidFill>
                   <a:srgbClr val="000000"/>
                 </a:solidFill>
-              </a:rPr>
-              <a:t>Small master index, points to disk blocks of secondary index</a:t>
-            </a:r>
-            <a:endParaRPr lang="en-US" altLang="en-US" dirty="0">
+                <a:latin typeface="+mn-ea"/>
+                <a:ea typeface="+mn-ea"/>
+              </a:rPr>
+              <a:t>Small master index, points to disk blocks of secondary index.小的主索引，指向二级索引的磁盘块。</a:t>
+            </a:r>
+            <a:endParaRPr lang="en-US" altLang="en-US" sz="1800" dirty="0">
               <a:solidFill>
                 <a:srgbClr val="000000"/>
               </a:solidFill>
+              <a:latin typeface="+mn-ea"/>
+              <a:ea typeface="+mn-ea"/>
             </a:endParaRPr>
           </a:p>
           <a:p>
@@ -17930,17 +18124,21 @@
               </a:tabLst>
             </a:pPr>
             <a:r>
-              <a:rPr lang="en-US" altLang="en-US" dirty="0">
+              <a:rPr lang="en-US" altLang="en-US" sz="1800" dirty="0">
                 <a:solidFill>
                   <a:srgbClr val="000000"/>
                 </a:solidFill>
-              </a:rPr>
-              <a:t>File kept sorted on a defined key</a:t>
-            </a:r>
-            <a:endParaRPr lang="en-US" altLang="en-US" dirty="0">
+                <a:latin typeface="+mn-ea"/>
+                <a:ea typeface="+mn-ea"/>
+              </a:rPr>
+              <a:t>File kept sorted on a defined key.文件按定义的键排序。</a:t>
+            </a:r>
+            <a:endParaRPr lang="en-US" altLang="en-US" sz="1800" dirty="0">
               <a:solidFill>
                 <a:srgbClr val="000000"/>
               </a:solidFill>
+              <a:latin typeface="+mn-ea"/>
+              <a:ea typeface="+mn-ea"/>
             </a:endParaRPr>
           </a:p>
           <a:p>
@@ -17954,17 +18152,21 @@
               </a:tabLst>
             </a:pPr>
             <a:r>
-              <a:rPr lang="en-US" altLang="en-US" dirty="0">
+              <a:rPr lang="en-US" altLang="en-US" sz="1800" dirty="0">
                 <a:solidFill>
                   <a:srgbClr val="000000"/>
                 </a:solidFill>
-              </a:rPr>
-              <a:t>All done by the OS</a:t>
-            </a:r>
-            <a:endParaRPr lang="en-US" altLang="en-US" dirty="0">
+                <a:latin typeface="+mn-ea"/>
+                <a:ea typeface="+mn-ea"/>
+              </a:rPr>
+              <a:t>All done by the OS.全部由操作系统完成。</a:t>
+            </a:r>
+            <a:endParaRPr lang="en-US" altLang="en-US" sz="1800" dirty="0">
               <a:solidFill>
                 <a:srgbClr val="000000"/>
               </a:solidFill>
+              <a:latin typeface="+mn-ea"/>
+              <a:ea typeface="+mn-ea"/>
             </a:endParaRPr>
           </a:p>
           <a:p>
@@ -17978,17 +18180,21 @@
               </a:tabLst>
             </a:pPr>
             <a:r>
-              <a:rPr lang="en-US" altLang="en-US" dirty="0">
+              <a:rPr lang="en-US" altLang="en-US" sz="1800" dirty="0">
                 <a:solidFill>
                   <a:srgbClr val="000000"/>
                 </a:solidFill>
-              </a:rPr>
-              <a:t>VMS operating system provides index and relative files as another example (see next slide)</a:t>
-            </a:r>
-            <a:endParaRPr lang="en-US" altLang="en-US" dirty="0">
+                <a:latin typeface="+mn-ea"/>
+                <a:ea typeface="+mn-ea"/>
+              </a:rPr>
+              <a:t>VMS operating system provides index and relative files as another example (see next slide).VMS 操作系统提供索引和相关文件作为另一个例子（见下一张幻灯片）</a:t>
+            </a:r>
+            <a:endParaRPr lang="en-US" altLang="en-US" sz="1800" dirty="0">
               <a:solidFill>
                 <a:srgbClr val="000000"/>
               </a:solidFill>
+              <a:latin typeface="+mn-ea"/>
+              <a:ea typeface="+mn-ea"/>
             </a:endParaRPr>
           </a:p>
         </p:txBody>
@@ -18068,38 +18274,38 @@
           <a:lstStyle/>
           <a:p>
             <a:r>
-              <a:rPr lang="en-US" altLang="en-US" sz="4000" dirty="0"/>
+              <a:rPr lang="en-US" altLang="en-US" sz="2800" dirty="0"/>
               <a:t>File Concept.文件概念。</a:t>
             </a:r>
-            <a:endParaRPr lang="en-US" altLang="en-US" sz="4000" dirty="0"/>
-          </a:p>
-          <a:p>
-            <a:r>
-              <a:rPr lang="en-US" altLang="en-US" sz="4000" dirty="0"/>
+            <a:endParaRPr lang="en-US" altLang="en-US" sz="2800" dirty="0"/>
+          </a:p>
+          <a:p>
+            <a:r>
+              <a:rPr lang="en-US" altLang="en-US" sz="2800" dirty="0"/>
               <a:t>Access Methods.访问方法。</a:t>
             </a:r>
-            <a:endParaRPr lang="en-US" altLang="en-US" sz="4000" dirty="0"/>
-          </a:p>
-          <a:p>
-            <a:r>
-              <a:rPr lang="en-US" altLang="en-US" sz="4000" dirty="0"/>
+            <a:endParaRPr lang="en-US" altLang="en-US" sz="2800" dirty="0"/>
+          </a:p>
+          <a:p>
+            <a:r>
+              <a:rPr lang="en-US" altLang="en-US" sz="2800" dirty="0"/>
               <a:t>Disk and Directory Structure.磁盘和目录结构。</a:t>
             </a:r>
-            <a:endParaRPr lang="en-US" altLang="en-US" sz="4000" dirty="0"/>
-          </a:p>
-          <a:p>
-            <a:r>
-              <a:rPr lang="en-US" altLang="en-US" sz="4000" dirty="0"/>
+            <a:endParaRPr lang="en-US" altLang="en-US" sz="2800" dirty="0"/>
+          </a:p>
+          <a:p>
+            <a:r>
+              <a:rPr lang="en-US" altLang="en-US" sz="2800" dirty="0"/>
               <a:t>Protection.保护。</a:t>
             </a:r>
-            <a:endParaRPr lang="en-US" altLang="en-US" sz="4000" dirty="0"/>
-          </a:p>
-          <a:p>
-            <a:r>
-              <a:rPr lang="en-US" altLang="en-US" sz="4000" dirty="0"/>
+            <a:endParaRPr lang="en-US" altLang="en-US" sz="2800" dirty="0"/>
+          </a:p>
+          <a:p>
+            <a:r>
+              <a:rPr lang="en-US" altLang="en-US" sz="2800" dirty="0"/>
               <a:t>Memory-Mapped Files.内存映射文件。</a:t>
             </a:r>
-            <a:endParaRPr lang="en-US" altLang="en-US" sz="4000" dirty="0"/>
+            <a:endParaRPr lang="en-US" altLang="en-US" sz="2800" dirty="0"/>
           </a:p>
         </p:txBody>
       </p:sp>
@@ -18261,7 +18467,15 @@
               <a:rPr lang="en-US" altLang="en-US" dirty="0"/>
               <a:t>Disk Structure</a:t>
             </a:r>
-            <a:endParaRPr lang="en-US" altLang="en-US" dirty="0"/>
+            <a:r>
+              <a:rPr lang="zh-CN" altLang="en-US" dirty="0">
+                <a:ea typeface="宋体" panose="02010600030101010101" pitchFamily="2" charset="-122"/>
+              </a:rPr>
+              <a:t>磁盘结构</a:t>
+            </a:r>
+            <a:endParaRPr lang="zh-CN" altLang="en-US" dirty="0">
+              <a:ea typeface="宋体" panose="02010600030101010101" pitchFamily="2" charset="-122"/>
+            </a:endParaRPr>
           </a:p>
         </p:txBody>
       </p:sp>
@@ -18277,8 +18491,8 @@
         </p:nvSpPr>
         <p:spPr>
           <a:xfrm>
-            <a:off x="867747" y="992456"/>
-            <a:ext cx="7121823" cy="4358796"/>
+            <a:off x="868045" y="992505"/>
+            <a:ext cx="7715885" cy="5606415"/>
           </a:xfrm>
         </p:spPr>
         <p:txBody>
@@ -18296,7 +18510,25 @@
                 </a:solidFill>
                 <a:latin typeface="+mj-lt"/>
               </a:rPr>
-              <a:t>partitions</a:t>
+              <a:t>partitions.</a:t>
+            </a:r>
+            <a:r>
+              <a:rPr lang="en-US" altLang="en-US" dirty="0">
+                <a:solidFill>
+                  <a:schemeClr val="tx1"/>
+                </a:solidFill>
+                <a:latin typeface="+mj-lt"/>
+              </a:rPr>
+              <a:t>磁盘可以细分为</a:t>
+            </a:r>
+            <a:r>
+              <a:rPr lang="en-US" altLang="en-US" b="1" dirty="0">
+                <a:solidFill>
+                  <a:srgbClr val="006699"/>
+                </a:solidFill>
+                <a:latin typeface="+mj-lt"/>
+              </a:rPr>
+              <a:t>分区。</a:t>
             </a:r>
             <a:endParaRPr lang="en-US" altLang="en-US" b="1" dirty="0">
               <a:solidFill>
@@ -18329,7 +18561,19 @@
             </a:r>
             <a:r>
               <a:rPr lang="en-US" altLang="en-US" dirty="0"/>
-              <a:t>protected against failure</a:t>
+              <a:t>protected against failure.磁盘或分区可以进行</a:t>
+            </a:r>
+            <a:r>
+              <a:rPr lang="en-US" altLang="en-US" dirty="0">
+                <a:solidFill>
+                  <a:srgbClr val="006699"/>
+                </a:solidFill>
+              </a:rPr>
+              <a:t>RAID</a:t>
+            </a:r>
+            <a:r>
+              <a:rPr lang="en-US" altLang="en-US" dirty="0"/>
+              <a:t>保护以防止出现故障。</a:t>
             </a:r>
             <a:endParaRPr lang="en-US" altLang="en-US" dirty="0"/>
           </a:p>
@@ -18378,14 +18622,38 @@
             </a:r>
             <a:r>
               <a:rPr lang="en-US" altLang="en-US" dirty="0"/>
-              <a:t>with a file system</a:t>
+              <a:t>with a file system.磁盘或分区可以</a:t>
+            </a:r>
+            <a:r>
+              <a:rPr lang="en-US" altLang="en-US" b="1" dirty="0">
+                <a:solidFill>
+                  <a:srgbClr val="006699"/>
+                </a:solidFill>
+              </a:rPr>
+              <a:t>原始</a:t>
+            </a:r>
+            <a:r>
+              <a:rPr lang="en-US" altLang="en-US" dirty="0"/>
+              <a:t>使用——没有文件系统，或者用文件系统</a:t>
+            </a:r>
+            <a:r>
+              <a:rPr lang="en-US" altLang="en-US" dirty="0">
+                <a:solidFill>
+                  <a:srgbClr val="006699"/>
+                </a:solidFill>
+              </a:rPr>
+              <a:t>格式化</a:t>
+            </a:r>
+            <a:r>
+              <a:rPr lang="en-US" altLang="en-US" dirty="0"/>
+              <a:t>。</a:t>
             </a:r>
             <a:endParaRPr lang="en-US" altLang="en-US" dirty="0"/>
           </a:p>
           <a:p>
             <a:r>
               <a:rPr lang="en-US" altLang="en-US" dirty="0"/>
-              <a:t>Partitions also known as minidisks, slices</a:t>
+              <a:t>Partitions also known as minidisks, slices.分区也称为微型磁盘、切片。</a:t>
             </a:r>
             <a:endParaRPr lang="en-US" altLang="en-US" dirty="0"/>
           </a:p>
@@ -18401,7 +18669,25 @@
                 </a:solidFill>
                 <a:latin typeface="+mj-lt"/>
               </a:rPr>
-              <a:t>volume</a:t>
+              <a:t>volume.</a:t>
+            </a:r>
+            <a:r>
+              <a:rPr lang="en-US" altLang="en-US" b="1" dirty="0">
+                <a:solidFill>
+                  <a:schemeClr val="tx1"/>
+                </a:solidFill>
+                <a:latin typeface="+mj-lt"/>
+              </a:rPr>
+              <a:t>包含文件系统的实体称为</a:t>
+            </a:r>
+            <a:r>
+              <a:rPr lang="en-US" altLang="en-US" b="1" dirty="0">
+                <a:solidFill>
+                  <a:srgbClr val="006699"/>
+                </a:solidFill>
+                <a:latin typeface="+mj-lt"/>
+              </a:rPr>
+              <a:t>卷。</a:t>
             </a:r>
             <a:endParaRPr lang="en-US" altLang="en-US" b="1" dirty="0">
               <a:solidFill>
@@ -18515,7 +18801,52 @@
                 </a:solidFill>
                 <a:latin typeface="+mj-lt"/>
               </a:rPr>
-              <a:t>contents</a:t>
+              <a:t>contents.</a:t>
+            </a:r>
+            <a:r>
+              <a:rPr lang="en-US" altLang="ja-JP" dirty="0">
+                <a:solidFill>
+                  <a:schemeClr val="tx1"/>
+                </a:solidFill>
+                <a:latin typeface="+mj-lt"/>
+              </a:rPr>
+              <a:t>每个包含文件系统的卷还会在</a:t>
+            </a:r>
+            <a:r>
+              <a:rPr lang="en-US" altLang="ja-JP" b="1" dirty="0">
+                <a:solidFill>
+                  <a:srgbClr val="006699"/>
+                </a:solidFill>
+                <a:latin typeface="+mj-lt"/>
+              </a:rPr>
+              <a:t>设备目录</a:t>
+            </a:r>
+            <a:r>
+              <a:rPr lang="en-US" altLang="ja-JP" dirty="0">
+                <a:solidFill>
+                  <a:schemeClr val="tx1"/>
+                </a:solidFill>
+                <a:latin typeface="+mj-lt"/>
+              </a:rPr>
+              <a:t>或</a:t>
+            </a:r>
+            <a:r>
+              <a:rPr lang="en-US" altLang="ja-JP" b="1" dirty="0">
+                <a:solidFill>
+                  <a:srgbClr val="006699"/>
+                </a:solidFill>
+                <a:latin typeface="+mj-lt"/>
+              </a:rPr>
+              <a:t>卷目录</a:t>
+            </a:r>
+            <a:r>
+              <a:rPr lang="en-US" altLang="ja-JP" dirty="0">
+                <a:solidFill>
+                  <a:schemeClr val="tx1"/>
+                </a:solidFill>
+                <a:latin typeface="+mj-lt"/>
+              </a:rPr>
+              <a:t>中跟踪该文件系统的信息。</a:t>
             </a:r>
             <a:endParaRPr lang="en-US" altLang="ja-JP" b="1" dirty="0">
               <a:solidFill>
@@ -18629,7 +18960,31 @@
             </a:r>
             <a:r>
               <a:rPr lang="en-US" altLang="en-US" dirty="0"/>
-              <a:t>, frequently all within the same operating system or computer</a:t>
+              <a:t>, frequently all within the same operating system or computer.除了</a:t>
+            </a:r>
+            <a:r>
+              <a:rPr lang="en-US" altLang="en-US" b="1" dirty="0">
+                <a:solidFill>
+                  <a:srgbClr val="006699"/>
+                </a:solidFill>
+              </a:rPr>
+              <a:t>通用文件系统之外</a:t>
+            </a:r>
+            <a:r>
+              <a:rPr lang="en-US" altLang="en-US" dirty="0"/>
+              <a:t>，还有许多</a:t>
+            </a:r>
+            <a:r>
+              <a:rPr lang="en-US" altLang="en-US" b="1" dirty="0">
+                <a:solidFill>
+                  <a:srgbClr val="006699"/>
+                </a:solidFill>
+              </a:rPr>
+              <a:t>专用文件系统</a:t>
+            </a:r>
+            <a:r>
+              <a:rPr lang="en-US" altLang="en-US" dirty="0"/>
+              <a:t>，通常都在同一操作系统或计算机中。</a:t>
             </a:r>
             <a:endParaRPr lang="en-US" altLang="en-US" dirty="0"/>
           </a:p>
@@ -18682,10 +19037,10 @@
           <a:p>
             <a:pPr eaLnBrk="1" hangingPunct="1"/>
             <a:r>
-              <a:rPr lang="en-US" altLang="en-US" sz="3000" dirty="0"/>
-              <a:t>A Typical File-system Organization</a:t>
-            </a:r>
-            <a:endParaRPr lang="en-US" altLang="en-US" sz="3000" dirty="0"/>
+              <a:rPr lang="en-US" altLang="en-US" sz="2400" dirty="0"/>
+              <a:t>A Typical File-system Organization典型的文件系统组织</a:t>
+            </a:r>
+            <a:endParaRPr lang="en-US" altLang="en-US" sz="2400" dirty="0"/>
           </a:p>
         </p:txBody>
       </p:sp>
@@ -18791,7 +19146,7 @@
             <a:pPr eaLnBrk="1" hangingPunct="1"/>
             <a:r>
               <a:rPr lang="en-US" altLang="en-US" dirty="0"/>
-              <a:t>Types of File Systems</a:t>
+              <a:t>Types of File Systems文件系统的类型</a:t>
             </a:r>
             <a:endParaRPr lang="en-US" altLang="en-US" dirty="0"/>
           </a:p>
@@ -18809,8 +19164,8 @@
         </p:nvSpPr>
         <p:spPr>
           <a:xfrm>
-            <a:off x="886410" y="1024935"/>
-            <a:ext cx="7688423" cy="4541073"/>
+            <a:off x="886460" y="1024890"/>
+            <a:ext cx="7688580" cy="5578475"/>
           </a:xfrm>
         </p:spPr>
         <p:txBody>
@@ -18819,21 +19174,21 @@
           <a:p>
             <a:r>
               <a:rPr lang="en-US" altLang="en-US" dirty="0"/>
-              <a:t>We mostly talk of general-purpose file systems</a:t>
+              <a:t>We mostly talk of general-purpose file systems.我们主要谈论通用文件系统。</a:t>
             </a:r>
             <a:endParaRPr lang="en-US" altLang="en-US" dirty="0"/>
           </a:p>
           <a:p>
             <a:r>
               <a:rPr lang="en-US" altLang="en-US" dirty="0"/>
-              <a:t>But systems frequently have may file systems, some general- and some special- purpose</a:t>
+              <a:t>But systems frequently have may file systems, some general- and some special- purpose.但是系统经常有多个文件系统，有些是通用的，有些是特殊用途的。</a:t>
             </a:r>
             <a:endParaRPr lang="en-US" altLang="en-US" dirty="0"/>
           </a:p>
           <a:p>
             <a:r>
               <a:rPr lang="en-US" altLang="en-US" dirty="0"/>
-              <a:t>Consider Solaris has</a:t>
+              <a:t>Consider Solaris has.考虑Solaris了</a:t>
             </a:r>
             <a:endParaRPr lang="en-US" altLang="en-US" dirty="0"/>
           </a:p>
@@ -18845,7 +19200,7 @@
             </a:r>
             <a:r>
               <a:rPr lang="en-US" altLang="en-US" dirty="0"/>
-              <a:t> – memory-based volatile FS for fast, temporary I/O</a:t>
+              <a:t> – memory-based volatile FS for fast, temporary I/O.tmpfs – 用于快速临时I/O的基于内存的易失性 FS。</a:t>
             </a:r>
             <a:endParaRPr lang="en-US" altLang="en-US" dirty="0"/>
           </a:p>
@@ -18857,7 +19212,7 @@
             </a:r>
             <a:r>
               <a:rPr lang="en-US" altLang="en-US" dirty="0"/>
-              <a:t> – interface into kernel memory to get kernel symbols for debugging</a:t>
+              <a:t> – interface into kernel memory to get kernel symbols for debugging.objfs – 与内核内存的接口以获取内核符号以进行调试。</a:t>
             </a:r>
             <a:endParaRPr lang="en-US" altLang="en-US" dirty="0"/>
           </a:p>
@@ -18869,7 +19224,7 @@
             </a:r>
             <a:r>
               <a:rPr lang="en-US" altLang="en-US" dirty="0"/>
-              <a:t> – contract file system for managing daemons </a:t>
+              <a:t> – contract file system for managing daemons. ctfs – 用于管理守护进程的合约文件系统。</a:t>
             </a:r>
             <a:endParaRPr lang="en-US" altLang="en-US" dirty="0"/>
           </a:p>
@@ -18881,7 +19236,7 @@
             </a:r>
             <a:r>
               <a:rPr lang="en-US" altLang="en-US" dirty="0"/>
-              <a:t> – loopback file system allows one FS to be accessed in place of another</a:t>
+              <a:t> – loopback file system allows one FS to be accessed in place of another.lofs – 环回文件系统允许访问一个FS来代替另一个。</a:t>
             </a:r>
             <a:endParaRPr lang="en-US" altLang="en-US" dirty="0"/>
           </a:p>
@@ -18893,7 +19248,7 @@
             </a:r>
             <a:r>
               <a:rPr lang="en-US" altLang="en-US" dirty="0"/>
-              <a:t> – kernel interface to process structures</a:t>
+              <a:t> – kernel interface to process structures.procfs – 进程结构的内核接口。</a:t>
             </a:r>
             <a:endParaRPr lang="en-US" altLang="en-US" dirty="0"/>
           </a:p>
@@ -18913,7 +19268,7 @@
             </a:r>
             <a:r>
               <a:rPr lang="en-US" altLang="en-US" dirty="0"/>
-              <a:t> – general purpose file systems</a:t>
+              <a:t> – general purpose file systems.ufs、zfs——通用文件系统。</a:t>
             </a:r>
             <a:endParaRPr lang="en-US" altLang="en-US" dirty="0"/>
           </a:p>
@@ -18967,7 +19322,7 @@
             <a:pPr eaLnBrk="1" hangingPunct="1"/>
             <a:r>
               <a:rPr lang="en-US" altLang="en-US" dirty="0"/>
-              <a:t>Directory Structure</a:t>
+              <a:t>Directory Structure目录结构</a:t>
             </a:r>
             <a:endParaRPr lang="en-US" altLang="en-US" dirty="0"/>
           </a:p>
@@ -19010,6 +19365,10 @@
                 <a:spcPct val="90000"/>
               </a:lnSpc>
             </a:pPr>
+            <a:r>
+              <a:rPr lang="en-US" altLang="en-US" dirty="0"/>
+              <a:t>包含所有文件信息的节点集合</a:t>
+            </a:r>
             <a:endParaRPr lang="en-US" altLang="en-US" dirty="0"/>
           </a:p>
           <a:p>
@@ -19102,6 +19461,10 @@
                 <a:spcPct val="90000"/>
               </a:lnSpc>
             </a:pPr>
+            <a:r>
+              <a:rPr lang="en-US" altLang="en-US" dirty="0"/>
+              <a:t>目录结构和文件都驻留在磁盘上</a:t>
+            </a:r>
             <a:endParaRPr lang="en-US" altLang="en-US" dirty="0"/>
           </a:p>
         </p:txBody>
@@ -19153,10 +19516,10 @@
           <a:p>
             <a:pPr eaLnBrk="1" hangingPunct="1"/>
             <a:r>
-              <a:rPr lang="en-US" altLang="en-US" dirty="0"/>
-              <a:t>Operations Performed on Directory</a:t>
-            </a:r>
-            <a:endParaRPr lang="en-US" altLang="en-US" dirty="0"/>
+              <a:rPr lang="en-US" altLang="en-US" sz="2400" dirty="0"/>
+              <a:t>Operations Performed on Directory对目录执行的操作</a:t>
+            </a:r>
+            <a:endParaRPr lang="en-US" altLang="en-US" sz="2400" dirty="0"/>
           </a:p>
         </p:txBody>
       </p:sp>
@@ -19232,7 +19595,7 @@
           <a:p>
             <a:r>
               <a:rPr lang="en-US" altLang="en-US" dirty="0"/>
-              <a:t>Traverse the file system</a:t>
+              <a:t>Traverse the file system.遍历文件系统</a:t>
             </a:r>
             <a:endParaRPr lang="en-US" altLang="en-US" dirty="0"/>
           </a:p>
@@ -19286,7 +19649,7 @@
             <a:pPr eaLnBrk="1" hangingPunct="1"/>
             <a:r>
               <a:rPr lang="en-US" altLang="en-US" dirty="0"/>
-              <a:t>Directory Organization</a:t>
+              <a:t>Directory Organization目录组织</a:t>
             </a:r>
             <a:endParaRPr lang="en-US" altLang="en-US" dirty="0"/>
           </a:p>
@@ -19304,8 +19667,8 @@
         </p:nvSpPr>
         <p:spPr>
           <a:xfrm>
-            <a:off x="1200150" y="1296242"/>
-            <a:ext cx="6386356" cy="4491609"/>
+            <a:off x="1019810" y="1285875"/>
+            <a:ext cx="7502525" cy="4491355"/>
           </a:xfrm>
         </p:spPr>
         <p:txBody>
@@ -19314,14 +19677,24 @@
           <a:p>
             <a:r>
               <a:rPr lang="en-US" altLang="en-US" dirty="0"/>
-              <a:t>Efficiency – locating a file quickly</a:t>
+              <a:t>Efficiency – locating a file quickly.效率 </a:t>
+            </a:r>
+            <a:r>
+              <a:rPr lang="en-US" altLang="en-US" dirty="0">
+                <a:sym typeface="+mn-ea"/>
+              </a:rPr>
+              <a:t>——</a:t>
+            </a:r>
+            <a:r>
+              <a:rPr lang="en-US" altLang="en-US" dirty="0"/>
+              <a:t>快速定位文件。</a:t>
             </a:r>
             <a:endParaRPr lang="en-US" altLang="en-US" dirty="0"/>
           </a:p>
           <a:p>
             <a:r>
               <a:rPr lang="en-US" altLang="en-US" dirty="0"/>
-              <a:t>Naming – convenient to users</a:t>
+              <a:t>Naming – convenient to users.命名——方便用户。</a:t>
             </a:r>
             <a:endParaRPr lang="en-US" altLang="en-US" dirty="0"/>
           </a:p>
@@ -19329,7 +19702,7 @@
             <a:pPr lvl="1"/>
             <a:r>
               <a:rPr lang="en-US" altLang="en-US" dirty="0"/>
-              <a:t>Two users can have same name for different files</a:t>
+              <a:t>Two users can have same name for different files.两个用户可以为不同的文件使用相同的名称。</a:t>
             </a:r>
             <a:endParaRPr lang="en-US" altLang="en-US" dirty="0"/>
           </a:p>
@@ -19337,14 +19710,24 @@
             <a:pPr lvl="1"/>
             <a:r>
               <a:rPr lang="en-US" altLang="en-US" dirty="0"/>
-              <a:t>The same file can have several different names</a:t>
+              <a:t>The same file can have several different names.同一个文件可以有多个不同的名称。</a:t>
             </a:r>
             <a:endParaRPr lang="en-US" altLang="en-US" dirty="0"/>
           </a:p>
           <a:p>
             <a:r>
               <a:rPr lang="en-US" altLang="en-US" dirty="0"/>
-              <a:t>Grouping – logical grouping of files by properties, (e.g., all Java programs, all games, …)</a:t>
+              <a:t>Grouping – logical grouping of files by properties, (e.g., all Java programs, all games, …).分组</a:t>
+            </a:r>
+            <a:r>
+              <a:rPr lang="en-US" altLang="en-US" dirty="0">
+                <a:sym typeface="+mn-ea"/>
+              </a:rPr>
+              <a:t>——</a:t>
+            </a:r>
+            <a:r>
+              <a:rPr lang="en-US" altLang="en-US" dirty="0"/>
+              <a:t>按属性对文件进行逻辑分组（例如，所有Java 程序、所有游戏……）。</a:t>
             </a:r>
             <a:endParaRPr lang="en-US" altLang="en-US" dirty="0"/>
           </a:p>
@@ -19360,8 +19743,8 @@
         </p:nvSpPr>
         <p:spPr bwMode="auto">
           <a:xfrm>
-            <a:off x="900113" y="933228"/>
-            <a:ext cx="7188200" cy="353943"/>
+            <a:off x="900430" y="933450"/>
+            <a:ext cx="7622540" cy="352425"/>
           </a:xfrm>
           <a:prstGeom prst="rect">
             <a:avLst/>
@@ -19391,7 +19774,7 @@
           </a:extLst>
         </p:spPr>
         <p:txBody>
-          <a:bodyPr>
+          <a:bodyPr wrap="square">
             <a:spAutoFit/>
           </a:bodyPr>
           <a:lstStyle>
@@ -19506,7 +19889,7 @@
               <a:rPr lang="en-US" altLang="en-US" sz="1700" dirty="0">
                 <a:latin typeface="微软雅黑" panose="020B0503020204020204" charset="-122"/>
               </a:rPr>
-              <a:t>The directory is organized logically to obtain </a:t>
+              <a:t>The directory is organized logically to obtain.该目录按逻辑组织以获取。 </a:t>
             </a:r>
             <a:endParaRPr lang="en-US" altLang="en-US" sz="1700" dirty="0">
               <a:latin typeface="微软雅黑" panose="020B0503020204020204" charset="-122"/>
@@ -19562,9 +19945,9 @@
             <a:pPr eaLnBrk="1" hangingPunct="1"/>
             <a:r>
               <a:rPr lang="en-US" altLang="en-US" dirty="0"/>
-              <a:t>Single-Level Directory</a:t>
-            </a:r>
-            <a:endParaRPr lang="en-US" altLang="en-US" sz="2400" dirty="0"/>
+              <a:t>Single-Level Directory单级目录</a:t>
+            </a:r>
+            <a:endParaRPr lang="en-US" altLang="en-US" dirty="0"/>
           </a:p>
         </p:txBody>
       </p:sp>
@@ -19590,7 +19973,28 @@
           <a:p>
             <a:r>
               <a:rPr lang="en-US" altLang="en-US" dirty="0"/>
-              <a:t>A single directory for all users</a:t>
+              <a:t>A single directory for all users.</a:t>
+            </a:r>
+            <a:r>
+              <a:rPr lang="en-US" altLang="en-US" dirty="0">
+                <a:latin typeface="+mn-ea"/>
+                <a:ea typeface="+mn-ea"/>
+              </a:rPr>
+              <a:t>所有用户</a:t>
+            </a:r>
+            <a:r>
+              <a:rPr lang="zh-CN" altLang="en-US" dirty="0">
+                <a:latin typeface="+mn-ea"/>
+                <a:ea typeface="+mn-ea"/>
+              </a:rPr>
+              <a:t>共用</a:t>
+            </a:r>
+            <a:r>
+              <a:rPr lang="en-US" altLang="en-US" dirty="0">
+                <a:latin typeface="+mn-ea"/>
+                <a:ea typeface="+mn-ea"/>
+              </a:rPr>
+              <a:t>单一目录</a:t>
             </a:r>
             <a:endParaRPr lang="en-US" altLang="en-US" dirty="0"/>
           </a:p>
@@ -19612,14 +20016,14 @@
           <a:p>
             <a:r>
               <a:rPr lang="en-US" altLang="en-US" dirty="0"/>
-              <a:t>Naming problem</a:t>
+              <a:t>Naming problem.命名问题。</a:t>
             </a:r>
             <a:endParaRPr lang="en-US" altLang="en-US" dirty="0"/>
           </a:p>
           <a:p>
             <a:r>
               <a:rPr lang="en-US" altLang="en-US" dirty="0"/>
-              <a:t>Grouping problem</a:t>
+              <a:t>Grouping problem.分组问题</a:t>
             </a:r>
             <a:endParaRPr lang="en-US" altLang="en-US" dirty="0"/>
           </a:p>
@@ -19892,9 +20296,9 @@
             <a:pPr eaLnBrk="1" hangingPunct="1"/>
             <a:r>
               <a:rPr lang="en-US" altLang="en-US" dirty="0"/>
-              <a:t>Two-Level Directory</a:t>
-            </a:r>
-            <a:endParaRPr lang="en-US" altLang="en-US" sz="2400" dirty="0"/>
+              <a:t>Two-Level Directory两级目录</a:t>
+            </a:r>
+            <a:endParaRPr lang="en-US" altLang="en-US" dirty="0"/>
           </a:p>
         </p:txBody>
       </p:sp>
@@ -19920,7 +20324,27 @@
           <a:p>
             <a:r>
               <a:rPr lang="en-US" altLang="en-US" dirty="0"/>
-              <a:t>Separate directory for each user</a:t>
+              <a:t>Separate directory for each user.每个用户</a:t>
+            </a:r>
+            <a:r>
+              <a:rPr lang="zh-CN" altLang="en-US" dirty="0">
+                <a:ea typeface="宋体" panose="02010600030101010101" pitchFamily="2" charset="-122"/>
+              </a:rPr>
+              <a:t>一个</a:t>
+            </a:r>
+            <a:r>
+              <a:rPr lang="en-US" altLang="en-US" dirty="0"/>
+              <a:t>单独</a:t>
+            </a:r>
+            <a:r>
+              <a:rPr lang="zh-CN" altLang="en-US" dirty="0">
+                <a:ea typeface="宋体" panose="02010600030101010101" pitchFamily="2" charset="-122"/>
+              </a:rPr>
+              <a:t>的</a:t>
+            </a:r>
+            <a:r>
+              <a:rPr lang="en-US" altLang="en-US" dirty="0"/>
+              <a:t>目录</a:t>
             </a:r>
             <a:endParaRPr lang="en-US" altLang="en-US" dirty="0"/>
           </a:p>
@@ -19936,8 +20360,8 @@
         </p:nvSpPr>
         <p:spPr bwMode="auto">
           <a:xfrm>
-            <a:off x="854075" y="3739838"/>
-            <a:ext cx="7002463" cy="1409700"/>
+            <a:off x="849630" y="3806825"/>
+            <a:ext cx="7002780" cy="2266315"/>
           </a:xfrm>
           <a:prstGeom prst="rect">
             <a:avLst/>
@@ -20091,7 +20515,7 @@
               <a:rPr kumimoji="1" lang="en-US" altLang="en-US" sz="1700" dirty="0">
                 <a:latin typeface="微软雅黑" panose="020B0503020204020204" charset="-122"/>
               </a:rPr>
-              <a:t>Path name</a:t>
+              <a:t>Path name.路径名</a:t>
             </a:r>
             <a:endParaRPr kumimoji="1" lang="en-US" altLang="en-US" sz="1700" dirty="0">
               <a:latin typeface="微软雅黑" panose="020B0503020204020204" charset="-122"/>
@@ -20113,7 +20537,7 @@
               <a:rPr kumimoji="1" lang="en-US" altLang="en-US" sz="1700" dirty="0">
                 <a:latin typeface="微软雅黑" panose="020B0503020204020204" charset="-122"/>
               </a:rPr>
-              <a:t>Can have the same file name for different user</a:t>
+              <a:t>Can have the same file name for different user.不同用户可以有相同的文件名</a:t>
             </a:r>
             <a:endParaRPr kumimoji="1" lang="en-US" altLang="en-US" sz="1700" dirty="0">
               <a:latin typeface="微软雅黑" panose="020B0503020204020204" charset="-122"/>
@@ -20135,7 +20559,7 @@
               <a:rPr kumimoji="1" lang="en-US" altLang="en-US" sz="1700" dirty="0">
                 <a:latin typeface="微软雅黑" panose="020B0503020204020204" charset="-122"/>
               </a:rPr>
-              <a:t>Efficient searching</a:t>
+              <a:t>Efficient searching.高效搜索</a:t>
             </a:r>
             <a:endParaRPr kumimoji="1" lang="en-US" altLang="en-US" sz="1700" dirty="0">
               <a:latin typeface="微软雅黑" panose="020B0503020204020204" charset="-122"/>
@@ -20157,7 +20581,7 @@
               <a:rPr kumimoji="1" lang="en-US" altLang="en-US" sz="1700" dirty="0">
                 <a:latin typeface="微软雅黑" panose="020B0503020204020204" charset="-122"/>
               </a:rPr>
-              <a:t>No grouping capability</a:t>
+              <a:t>No grouping capability.没有分组功能</a:t>
             </a:r>
             <a:endParaRPr kumimoji="1" lang="en-US" altLang="en-US" sz="1700" dirty="0">
               <a:latin typeface="微软雅黑" panose="020B0503020204020204" charset="-122"/>
@@ -20267,7 +20691,7 @@
             <a:pPr eaLnBrk="1" hangingPunct="1"/>
             <a:r>
               <a:rPr lang="en-US" altLang="en-US" dirty="0"/>
-              <a:t>Tree-Structured Directories</a:t>
+              <a:t>Tree-Structured Directories树结构目录</a:t>
             </a:r>
             <a:endParaRPr lang="en-US" altLang="en-US" dirty="0"/>
           </a:p>
@@ -20393,8 +20817,8 @@
         </p:nvSpPr>
         <p:spPr>
           <a:xfrm>
-            <a:off x="905071" y="942090"/>
-            <a:ext cx="6560854" cy="4504118"/>
+            <a:off x="466725" y="942340"/>
+            <a:ext cx="8070215" cy="4504055"/>
           </a:xfrm>
         </p:spPr>
         <p:txBody>
@@ -20478,9 +20902,9 @@
             <a:pPr eaLnBrk="1" hangingPunct="1"/>
             <a:r>
               <a:rPr lang="en-US" altLang="en-US" dirty="0"/>
-              <a:t>Acyclic-Graph Directories</a:t>
-            </a:r>
-            <a:endParaRPr lang="en-US" altLang="en-US" sz="2400" dirty="0"/>
+              <a:t>Acyclic-Graph Directories无环图目录</a:t>
+            </a:r>
+            <a:endParaRPr lang="en-US" altLang="en-US" dirty="0"/>
           </a:p>
         </p:txBody>
       </p:sp>
@@ -20496,8 +20920,8 @@
         </p:nvSpPr>
         <p:spPr>
           <a:xfrm>
-            <a:off x="857867" y="1093788"/>
-            <a:ext cx="7029450" cy="522287"/>
+            <a:off x="857885" y="1094105"/>
+            <a:ext cx="7029450" cy="807085"/>
           </a:xfrm>
         </p:spPr>
         <p:txBody>
@@ -20506,7 +20930,7 @@
           <a:p>
             <a:r>
               <a:rPr lang="en-US" altLang="en-US" dirty="0"/>
-              <a:t>Have shared subdirectories and files</a:t>
+              <a:t>Have shared subdirectories and files.有共享的子目录和文件。</a:t>
             </a:r>
             <a:endParaRPr lang="en-US" altLang="en-US" dirty="0"/>
           </a:p>
@@ -20542,7 +20966,7 @@
         </p:blipFill>
         <p:spPr bwMode="auto">
           <a:xfrm>
-            <a:off x="2070968" y="1992348"/>
+            <a:off x="2032868" y="2277463"/>
             <a:ext cx="4232834" cy="3420130"/>
           </a:xfrm>
           <a:prstGeom prst="rect">
@@ -20639,8 +21063,8 @@
         </p:nvSpPr>
         <p:spPr>
           <a:xfrm>
-            <a:off x="853264" y="1120775"/>
-            <a:ext cx="7564437" cy="4530725"/>
+            <a:off x="462915" y="864235"/>
+            <a:ext cx="8059420" cy="4787265"/>
           </a:xfrm>
         </p:spPr>
         <p:txBody>
@@ -20649,7 +21073,7 @@
           <a:p>
             <a:r>
               <a:rPr lang="en-US" altLang="en-US" dirty="0"/>
-              <a:t>Two different names (aliasing)</a:t>
+              <a:t>Two different names (aliasing).两个不同的名称（别名）。</a:t>
             </a:r>
             <a:endParaRPr lang="en-US" altLang="en-US" dirty="0"/>
           </a:p>
@@ -20686,7 +21110,43 @@
               <a:rPr lang="en-US" altLang="en-US" dirty="0">
                 <a:sym typeface="Symbol" panose="05050102010706020507" pitchFamily="18" charset="2"/>
               </a:rPr>
-              <a:t> dangling pointer</a:t>
+              <a:t> dangling pointer.如果 </a:t>
+            </a:r>
+            <a:r>
+              <a:rPr lang="en-US" altLang="en-US" b="1" i="1" dirty="0" err="1">
+                <a:sym typeface="+mn-ea"/>
+              </a:rPr>
+              <a:t>dict</a:t>
+            </a:r>
+            <a:r>
+              <a:rPr lang="en-US" altLang="en-US" dirty="0">
+                <a:sym typeface="Symbol" panose="05050102010706020507" pitchFamily="18" charset="2"/>
+              </a:rPr>
+              <a:t> 删除 </a:t>
+            </a:r>
+            <a:r>
+              <a:rPr lang="en-US" altLang="en-US" b="1" dirty="0">
+                <a:sym typeface="+mn-ea"/>
+              </a:rPr>
+              <a:t>w</a:t>
+            </a:r>
+            <a:r>
+              <a:rPr lang="en-US" altLang="en-US" dirty="0">
+                <a:sym typeface="+mn-ea"/>
+              </a:rPr>
+              <a:t>/</a:t>
+            </a:r>
+            <a:r>
+              <a:rPr lang="en-US" altLang="en-US" b="1" i="1" dirty="0">
+                <a:sym typeface="+mn-ea"/>
+              </a:rPr>
+              <a:t>list</a:t>
+            </a:r>
+            <a:r>
+              <a:rPr lang="en-US" altLang="en-US" dirty="0">
+                <a:sym typeface="Symbol" panose="05050102010706020507" pitchFamily="18" charset="2"/>
+              </a:rPr>
+              <a:t>  悬空指针</a:t>
             </a:r>
             <a:endParaRPr lang="en-US" altLang="en-US" dirty="0">
               <a:sym typeface="Symbol" panose="05050102010706020507" pitchFamily="18" charset="2"/>
@@ -20699,7 +21159,7 @@
             </a:pPr>
             <a:r>
               <a:rPr lang="en-US" altLang="en-US" dirty="0"/>
-              <a:t>	Solutions:</a:t>
+              <a:t>	Solutions:解决方案：</a:t>
             </a:r>
             <a:endParaRPr lang="en-US" altLang="en-US" dirty="0"/>
           </a:p>
@@ -20711,7 +21171,7 @@
             </a:r>
             <a:r>
               <a:rPr lang="en-US" altLang="en-US" dirty="0"/>
-              <a:t>, so we can delete all pointers.</a:t>
+              <a:t>, so we can delete all pointers.反向指针，因此我们可以删除所有指针。</a:t>
             </a:r>
             <a:endParaRPr lang="en-US" altLang="en-US" dirty="0"/>
           </a:p>
@@ -20719,7 +21179,7 @@
             <a:pPr lvl="2"/>
             <a:r>
               <a:rPr lang="en-US" altLang="en-US" dirty="0"/>
-              <a:t>Variable size records a problem</a:t>
+              <a:t>Variable size records a problem.可变大小记录了一个问题。</a:t>
             </a:r>
             <a:endParaRPr lang="en-US" altLang="en-US" dirty="0"/>
           </a:p>
@@ -20731,100 +21191,148 @@
             </a:r>
             <a:r>
               <a:rPr lang="en-US" altLang="en-US" dirty="0"/>
-              <a:t> using a daisy chain organization</a:t>
+              <a:t> using a daisy chain organization.</a:t>
+            </a:r>
+            <a:r>
+              <a:rPr lang="en-US" altLang="en-US" dirty="0">
+                <a:latin typeface="+mn-ea"/>
+                <a:ea typeface="+mn-ea"/>
+              </a:rPr>
+              <a:t>使用</a:t>
+            </a:r>
+            <a:r>
+              <a:rPr lang="zh-CN" altLang="en-US" dirty="0">
+                <a:latin typeface="+mn-ea"/>
+                <a:ea typeface="+mn-ea"/>
+              </a:rPr>
+              <a:t>串级</a:t>
+            </a:r>
+            <a:r>
+              <a:rPr lang="en-US" altLang="en-US" dirty="0">
+                <a:latin typeface="+mn-ea"/>
+                <a:ea typeface="+mn-ea"/>
+              </a:rPr>
+              <a:t>链组织的反向指针。</a:t>
+            </a:r>
+            <a:endParaRPr lang="en-US" altLang="en-US" dirty="0">
+              <a:latin typeface="+mn-ea"/>
+              <a:ea typeface="+mn-ea"/>
+            </a:endParaRPr>
+          </a:p>
+          <a:p>
+            <a:pPr lvl="1"/>
+            <a:r>
+              <a:rPr lang="en-US" altLang="en-US" dirty="0"/>
+              <a:t>Entry-hold-count solution.进入保留计数解决方案。</a:t>
             </a:r>
             <a:endParaRPr lang="en-US" altLang="en-US" dirty="0"/>
           </a:p>
           <a:p>
+            <a:r>
+              <a:rPr lang="en-US" altLang="en-US" dirty="0"/>
+              <a:t>New directory entry type.新的目录条目类型。</a:t>
+            </a:r>
+            <a:endParaRPr lang="en-US" altLang="en-US" dirty="0"/>
+          </a:p>
+          <a:p>
             <a:pPr lvl="1"/>
             <a:r>
+              <a:rPr lang="en-US" altLang="en-US" b="1" dirty="0">
+                <a:solidFill>
+                  <a:srgbClr val="006699"/>
+                </a:solidFill>
+                <a:latin typeface="+mj-lt"/>
+              </a:rPr>
+              <a:t>Link</a:t>
+            </a:r>
+            <a:r>
               <a:rPr lang="en-US" altLang="en-US" dirty="0"/>
-              <a:t>Entry-hold-count solution</a:t>
+              <a:t> – another name (pointer) to an existing file.</a:t>
+            </a:r>
+            <a:r>
+              <a:rPr lang="en-US" altLang="en-US" b="1" dirty="0">
+                <a:solidFill>
+                  <a:srgbClr val="006699"/>
+                </a:solidFill>
+              </a:rPr>
+              <a:t>链接</a:t>
+            </a:r>
+            <a:r>
+              <a:rPr lang="en-US" altLang="en-US" dirty="0"/>
+              <a:t> – 指向现有文件的另一个名称（指针）。</a:t>
             </a:r>
             <a:endParaRPr lang="en-US" altLang="en-US" dirty="0"/>
           </a:p>
           <a:p>
+            <a:pPr lvl="1"/>
+            <a:r>
+              <a:rPr lang="en-US" altLang="en-US" b="1" dirty="0">
+                <a:solidFill>
+                  <a:srgbClr val="006699"/>
+                </a:solidFill>
+                <a:latin typeface="+mj-lt"/>
+              </a:rPr>
+              <a:t>Resolve</a:t>
+            </a:r>
+            <a:r>
+              <a:rPr lang="en-US" altLang="en-US" b="1" dirty="0">
+                <a:solidFill>
+                  <a:srgbClr val="3366FF"/>
+                </a:solidFill>
+              </a:rPr>
+              <a:t> </a:t>
+            </a:r>
+            <a:r>
+              <a:rPr lang="en-US" altLang="en-US" b="1" dirty="0">
+                <a:solidFill>
+                  <a:srgbClr val="006699"/>
+                </a:solidFill>
+                <a:latin typeface="+mj-lt"/>
+              </a:rPr>
+              <a:t>the</a:t>
+            </a:r>
+            <a:r>
+              <a:rPr lang="en-US" altLang="en-US" b="1" dirty="0">
+                <a:solidFill>
+                  <a:srgbClr val="3366FF"/>
+                </a:solidFill>
+              </a:rPr>
+              <a:t> </a:t>
+            </a:r>
+            <a:r>
+              <a:rPr lang="en-US" altLang="en-US" b="1" dirty="0">
+                <a:solidFill>
+                  <a:srgbClr val="006699"/>
+                </a:solidFill>
+                <a:latin typeface="+mj-lt"/>
+              </a:rPr>
+              <a:t>link</a:t>
+            </a:r>
+            <a:r>
+              <a:rPr lang="en-US" altLang="en-US" b="1" dirty="0">
+                <a:solidFill>
+                  <a:srgbClr val="3366FF"/>
+                </a:solidFill>
+              </a:rPr>
+              <a:t> </a:t>
+            </a:r>
             <a:r>
               <a:rPr lang="en-US" altLang="en-US" dirty="0"/>
-              <a:t>New directory entry type</a:t>
+              <a:t>– follow pointer to locate the file.</a:t>
+            </a:r>
+            <a:r>
+              <a:rPr lang="en-US" altLang="en-US" b="1" dirty="0">
+                <a:solidFill>
+                  <a:srgbClr val="006699"/>
+                </a:solidFill>
+              </a:rPr>
+              <a:t>解析链接</a:t>
+            </a:r>
+            <a:r>
+              <a:rPr lang="en-US" altLang="en-US" dirty="0"/>
+              <a:t> - 按照指针定位文件。</a:t>
             </a:r>
             <a:endParaRPr lang="en-US" altLang="en-US" dirty="0"/>
-          </a:p>
-          <a:p>
-            <a:pPr lvl="1"/>
-            <a:r>
-              <a:rPr lang="en-US" altLang="en-US" b="1" dirty="0">
-                <a:solidFill>
-                  <a:srgbClr val="006699"/>
-                </a:solidFill>
-                <a:latin typeface="+mj-lt"/>
-              </a:rPr>
-              <a:t>Link</a:t>
-            </a:r>
-            <a:r>
-              <a:rPr lang="en-US" altLang="en-US" dirty="0"/>
-              <a:t> – another name (pointer) to an existing file</a:t>
-            </a:r>
-            <a:endParaRPr lang="en-US" altLang="en-US" dirty="0"/>
-          </a:p>
-          <a:p>
-            <a:pPr lvl="1"/>
-            <a:r>
-              <a:rPr lang="en-US" altLang="en-US" b="1" dirty="0">
-                <a:solidFill>
-                  <a:srgbClr val="006699"/>
-                </a:solidFill>
-                <a:latin typeface="+mj-lt"/>
-              </a:rPr>
-              <a:t>Resolve</a:t>
-            </a:r>
-            <a:r>
-              <a:rPr lang="en-US" altLang="en-US" b="1" dirty="0">
-                <a:solidFill>
-                  <a:srgbClr val="3366FF"/>
-                </a:solidFill>
-              </a:rPr>
-              <a:t> </a:t>
-            </a:r>
-            <a:r>
-              <a:rPr lang="en-US" altLang="en-US" b="1" dirty="0">
-                <a:solidFill>
-                  <a:srgbClr val="006699"/>
-                </a:solidFill>
-                <a:latin typeface="+mj-lt"/>
-              </a:rPr>
-              <a:t>the</a:t>
-            </a:r>
-            <a:r>
-              <a:rPr lang="en-US" altLang="en-US" b="1" dirty="0">
-                <a:solidFill>
-                  <a:srgbClr val="3366FF"/>
-                </a:solidFill>
-              </a:rPr>
-              <a:t> </a:t>
-            </a:r>
-            <a:r>
-              <a:rPr lang="en-US" altLang="en-US" b="1" dirty="0">
-                <a:solidFill>
-                  <a:srgbClr val="006699"/>
-                </a:solidFill>
-                <a:latin typeface="+mj-lt"/>
-              </a:rPr>
-              <a:t>link</a:t>
-            </a:r>
-            <a:r>
-              <a:rPr lang="en-US" altLang="en-US" b="1" dirty="0">
-                <a:solidFill>
-                  <a:srgbClr val="3366FF"/>
-                </a:solidFill>
-              </a:rPr>
-              <a:t> </a:t>
-            </a:r>
-            <a:r>
-              <a:rPr lang="en-US" altLang="en-US" dirty="0"/>
-              <a:t>– follow pointer to locate the file</a:t>
-            </a:r>
-            <a:endParaRPr lang="en-US" altLang="en-US" b="1" dirty="0"/>
           </a:p>
         </p:txBody>
       </p:sp>
@@ -20876,9 +21384,9 @@
             <a:pPr eaLnBrk="1" hangingPunct="1"/>
             <a:r>
               <a:rPr lang="en-US" altLang="en-US" dirty="0"/>
-              <a:t>General Graph Directory</a:t>
-            </a:r>
-            <a:endParaRPr lang="en-US" altLang="en-US" sz="2400" dirty="0"/>
+              <a:t>General Graph Directory通用图目录</a:t>
+            </a:r>
+            <a:endParaRPr lang="en-US" altLang="en-US" dirty="0"/>
           </a:p>
         </p:txBody>
       </p:sp>
@@ -21012,7 +21520,7 @@
           <a:p>
             <a:r>
               <a:rPr lang="en-US" altLang="en-US" dirty="0"/>
-              <a:t>How do we guarantee no cycles?</a:t>
+              <a:t>How do we guarantee no cycles?我们如何保证没有循环？</a:t>
             </a:r>
             <a:endParaRPr lang="en-US" altLang="en-US" dirty="0"/>
           </a:p>
@@ -21020,7 +21528,7 @@
             <a:pPr lvl="1"/>
             <a:r>
               <a:rPr lang="en-US" altLang="en-US" dirty="0"/>
-              <a:t>Allow only links to files not subdirectories</a:t>
+              <a:t>Allow only links to files not subdirectories.只允许链接到文件而不是子目录。</a:t>
             </a:r>
             <a:endParaRPr lang="en-US" altLang="en-US" dirty="0"/>
           </a:p>
@@ -21050,7 +21558,16 @@
                 </a:solidFill>
                 <a:latin typeface="+mj-lt"/>
               </a:rPr>
-              <a:t>collection</a:t>
+              <a:t>collection.</a:t>
+            </a:r>
+            <a:r>
+              <a:rPr lang="zh-CN" altLang="en-US" b="1" dirty="0">
+                <a:solidFill>
+                  <a:srgbClr val="006699"/>
+                </a:solidFill>
+                <a:ea typeface="微软雅黑" panose="020B0503020204020204" charset="-122"/>
+              </a:rPr>
+              <a:t>垃圾回收</a:t>
             </a:r>
             <a:endParaRPr lang="en-US" altLang="en-US" b="1" dirty="0">
               <a:solidFill>
@@ -21063,7 +21580,7 @@
             <a:pPr lvl="1"/>
             <a:r>
               <a:rPr lang="en-US" altLang="en-US" dirty="0"/>
-              <a:t>Every time a new link is added use a cycle detection algorithm to determine whether it is OK</a:t>
+              <a:t>Every time a new link is added use a cycle detection algorithm to determine whether it is OK.每次添加新链接时，使用循环检测算法来确定它是否正常。</a:t>
             </a:r>
             <a:endParaRPr lang="en-US" altLang="en-US" dirty="0"/>
           </a:p>
@@ -21117,7 +21634,7 @@
             <a:pPr eaLnBrk="1" hangingPunct="1"/>
             <a:r>
               <a:rPr lang="en-US" altLang="en-US" dirty="0"/>
-              <a:t>Current Directory</a:t>
+              <a:t>Current Directory当前目录</a:t>
             </a:r>
             <a:endParaRPr lang="en-US" altLang="en-US" dirty="0"/>
           </a:p>
@@ -21135,8 +21652,8 @@
         </p:nvSpPr>
         <p:spPr>
           <a:xfrm>
-            <a:off x="975737" y="944595"/>
-            <a:ext cx="7560310" cy="4978400"/>
+            <a:off x="461645" y="944880"/>
+            <a:ext cx="8074660" cy="4978400"/>
           </a:xfrm>
         </p:spPr>
         <p:txBody>
@@ -21153,7 +21670,7 @@
             </a:pPr>
             <a:r>
               <a:rPr lang="en-US" altLang="en-US" dirty="0"/>
-              <a:t>Can designate one of the directories as the current (working) directory</a:t>
+              <a:t>Can designate one of the directories as the current (working) directory.可以将目录之一指定为当前（工作）目录。</a:t>
             </a:r>
             <a:endParaRPr lang="en-US" altLang="en-US" dirty="0"/>
           </a:p>
@@ -21202,7 +21719,7 @@
             </a:pPr>
             <a:r>
               <a:rPr lang="en-US" altLang="en-US" dirty="0"/>
-              <a:t>Creating and deleting a file is done in current directory</a:t>
+              <a:t>Creating and deleting a file is done in current directory.创建和删除文件在当前目录中完成。</a:t>
             </a:r>
             <a:endParaRPr lang="en-US" altLang="en-US" dirty="0"/>
           </a:p>
@@ -21411,7 +21928,15 @@
               </a:rPr>
               <a:t>”</a:t>
             </a:r>
-            <a:endParaRPr lang="en-US" altLang="en-US" dirty="0"/>
+            <a:r>
+              <a:rPr lang="en-US" altLang="ja-JP" dirty="0">
+                <a:sym typeface="Symbol" panose="05050102010706020507" pitchFamily="18" charset="2"/>
+              </a:rPr>
+              <a:t>.删除“mail”  删除以“mail”为根的整个子树</a:t>
+            </a:r>
+            <a:endParaRPr lang="en-US" altLang="ja-JP" dirty="0">
+              <a:sym typeface="Symbol" panose="05050102010706020507" pitchFamily="18" charset="2"/>
+            </a:endParaRPr>
           </a:p>
           <a:p>
             <a:pPr>
@@ -21744,7 +22269,7 @@
             <a:pPr eaLnBrk="1" hangingPunct="1"/>
             <a:r>
               <a:rPr lang="en-US" altLang="en-US" dirty="0"/>
-              <a:t>Protection</a:t>
+              <a:t>Protection保护</a:t>
             </a:r>
             <a:endParaRPr lang="en-US" altLang="en-US" dirty="0"/>
           </a:p>
@@ -21772,7 +22297,7 @@
           <a:p>
             <a:r>
               <a:rPr lang="en-US" altLang="en-US" dirty="0"/>
-              <a:t>File owner/creator should be able to control:</a:t>
+              <a:t>File owner/creator should be able to control:文件所有者/创建者应该能够控制：</a:t>
             </a:r>
             <a:endParaRPr lang="en-US" altLang="en-US" dirty="0"/>
           </a:p>
@@ -21780,7 +22305,7 @@
             <a:pPr lvl="1"/>
             <a:r>
               <a:rPr lang="en-US" altLang="en-US" dirty="0"/>
-              <a:t>What can be done</a:t>
+              <a:t>What can be done.可以做什么。</a:t>
             </a:r>
             <a:endParaRPr lang="en-US" altLang="en-US" dirty="0"/>
           </a:p>
@@ -21788,14 +22313,14 @@
             <a:pPr lvl="1"/>
             <a:r>
               <a:rPr lang="en-US" altLang="en-US" dirty="0"/>
-              <a:t>By whom</a:t>
+              <a:t>By whom.由谁</a:t>
             </a:r>
             <a:endParaRPr lang="en-US" altLang="en-US" dirty="0"/>
           </a:p>
           <a:p>
             <a:r>
               <a:rPr lang="en-US" altLang="en-US" dirty="0"/>
-              <a:t>Types of access</a:t>
+              <a:t>Types of access.访问类型。</a:t>
             </a:r>
             <a:endParaRPr lang="en-US" altLang="en-US" dirty="0"/>
           </a:p>
@@ -21896,10 +22421,10 @@
           <a:p>
             <a:pPr eaLnBrk="1" hangingPunct="1"/>
             <a:r>
-              <a:rPr lang="en-US" altLang="en-US" dirty="0"/>
-              <a:t>Access Lists and Groups in Unix</a:t>
-            </a:r>
-            <a:endParaRPr lang="en-US" altLang="en-US" dirty="0"/>
+              <a:rPr lang="en-US" altLang="en-US" sz="2200" dirty="0"/>
+              <a:t>Access Lists and Groups in Unix.Unix中的访问列表和组</a:t>
+            </a:r>
+            <a:endParaRPr lang="en-US" altLang="en-US" sz="2200" dirty="0"/>
           </a:p>
         </p:txBody>
       </p:sp>
@@ -21936,7 +22461,7 @@
             </a:pPr>
             <a:r>
               <a:rPr lang="en-US" altLang="en-US" dirty="0"/>
-              <a:t>Mode of access:  read, write, execute</a:t>
+              <a:t>Mode of access:  read, write, execute.访问方式：读、写、执行</a:t>
             </a:r>
             <a:endParaRPr lang="en-US" altLang="en-US" dirty="0"/>
           </a:p>
@@ -21954,7 +22479,7 @@
             </a:pPr>
             <a:r>
               <a:rPr lang="en-US" altLang="en-US" dirty="0"/>
-              <a:t>Three classes of users on Unix / Linux</a:t>
+              <a:t>Three classes of users on Unix / Linux.Unix / Linux 上的三类用户。</a:t>
             </a:r>
             <a:endParaRPr lang="en-US" altLang="en-US" dirty="0"/>
           </a:p>
@@ -22162,6 +22687,33 @@
               </a:rPr>
               <a:t>Ask manager to create a group (unique name), say G, and add some users to the group.</a:t>
             </a:r>
+            <a:r>
+              <a:rPr lang="en-US" altLang="en-US" dirty="0">
+                <a:latin typeface="+mn-ea"/>
+                <a:ea typeface="+mn-ea"/>
+                <a:cs typeface="+mn-ea"/>
+                <a:sym typeface="Symbol" panose="05050102010706020507" pitchFamily="18" charset="2"/>
+              </a:rPr>
+              <a:t>请</a:t>
+            </a:r>
+            <a:r>
+              <a:rPr lang="zh-CN" altLang="en-US" dirty="0">
+                <a:latin typeface="+mn-ea"/>
+                <a:ea typeface="+mn-ea"/>
+                <a:cs typeface="+mn-ea"/>
+                <a:sym typeface="Symbol" panose="05050102010706020507" pitchFamily="18" charset="2"/>
+              </a:rPr>
+              <a:t>管理员</a:t>
+            </a:r>
+            <a:r>
+              <a:rPr lang="en-US" altLang="en-US" dirty="0">
+                <a:latin typeface="+mn-ea"/>
+                <a:ea typeface="+mn-ea"/>
+                <a:cs typeface="+mn-ea"/>
+                <a:sym typeface="Symbol" panose="05050102010706020507" pitchFamily="18" charset="2"/>
+              </a:rPr>
+              <a:t>创建一个组（唯一名称），比如说 G，然后将一些用户添加到该组中。</a:t>
+            </a:r>
             <a:endParaRPr lang="en-US" altLang="en-US" dirty="0">
               <a:sym typeface="Symbol" panose="05050102010706020507" pitchFamily="18" charset="2"/>
             </a:endParaRPr>
@@ -22194,7 +22746,7 @@
               <a:rPr lang="en-US" altLang="en-US" dirty="0">
                 <a:sym typeface="Symbol" panose="05050102010706020507" pitchFamily="18" charset="2"/>
               </a:rPr>
-              <a:t>) or subdirectory, define an appropriate access.</a:t>
+              <a:t>) or subdirectory, define an appropriate access.对于文件（例如游戏）或子目录，定义适当的访问权限。</a:t>
             </a:r>
             <a:endParaRPr lang="en-US" altLang="en-US" dirty="0">
               <a:sym typeface="Symbol" panose="05050102010706020507" pitchFamily="18" charset="2"/>
@@ -22265,9 +22817,10 @@
                 <a:latin typeface="Arial" panose="020B0604020202020204" pitchFamily="34" charset="0"/>
                 <a:sym typeface="Symbol" panose="05050102010706020507" pitchFamily="18" charset="2"/>
               </a:rPr>
-              <a:t>Attach a group to a file</a:t>
-            </a:r>
-            <a:endParaRPr lang="en-US" altLang="en-US" dirty="0">
+              <a:t>Attach a group to a file.将组附加到文件</a:t>
+            </a:r>
+            <a:endParaRPr kumimoji="1" lang="en-US" altLang="en-US" dirty="0">
+              <a:latin typeface="Arial" panose="020B0604020202020204" pitchFamily="34" charset="0"/>
               <a:sym typeface="Symbol" panose="05050102010706020507" pitchFamily="18" charset="2"/>
             </a:endParaRPr>
           </a:p>
@@ -22283,7 +22836,7 @@
         </p:nvSpPr>
         <p:spPr bwMode="auto">
           <a:xfrm>
-            <a:off x="-291397" y="4923697"/>
+            <a:off x="1077028" y="5609497"/>
             <a:ext cx="5536642" cy="834010"/>
           </a:xfrm>
           <a:prstGeom prst="rect">
@@ -22547,7 +23100,7 @@
         </p:blipFill>
         <p:spPr bwMode="auto">
           <a:xfrm>
-            <a:off x="3888712" y="3989199"/>
+            <a:off x="3793462" y="4441319"/>
             <a:ext cx="2034886" cy="758998"/>
           </a:xfrm>
           <a:prstGeom prst="rect">
@@ -22625,10 +23178,10 @@
           <a:p>
             <a:pPr eaLnBrk="1" hangingPunct="1"/>
             <a:r>
-              <a:rPr lang="en-US" altLang="en-US" dirty="0"/>
-              <a:t>A Sample UNIX Directory Listing</a:t>
-            </a:r>
-            <a:endParaRPr lang="en-US" altLang="en-US" dirty="0"/>
+              <a:rPr lang="en-US" altLang="en-US" sz="2400" dirty="0"/>
+              <a:t>A Sample UNIX Directory Listing.UNIX目录列表示例</a:t>
+            </a:r>
+            <a:endParaRPr lang="en-US" altLang="en-US" sz="2400" dirty="0"/>
           </a:p>
         </p:txBody>
       </p:sp>
@@ -22710,10 +23263,10 @@
           <a:p>
             <a:pPr eaLnBrk="1" hangingPunct="1"/>
             <a:r>
-              <a:rPr lang="en-US" altLang="en-US" sz="2700" dirty="0"/>
-              <a:t>Windows 7 Access-Control List Management</a:t>
-            </a:r>
-            <a:endParaRPr lang="en-US" altLang="en-US" sz="2700" dirty="0"/>
+              <a:rPr lang="en-US" altLang="en-US" sz="2000" dirty="0"/>
+              <a:t>Windows 7 Access-Control List Management.Windows 7访问控制清单管理</a:t>
+            </a:r>
+            <a:endParaRPr lang="en-US" altLang="en-US" sz="2000" dirty="0"/>
           </a:p>
         </p:txBody>
       </p:sp>
@@ -22869,6 +23422,25 @@
               </a:rPr>
               <a:t>Memory-Mapped Files</a:t>
             </a:r>
+            <a:br>
+              <a:rPr lang="en-US" altLang="en-US" dirty="0">
+                <a:effectLst>
+                  <a:outerShdw blurRad="38100" dist="38100" dir="2700000" algn="tl">
+                    <a:srgbClr val="C0C0C0"/>
+                  </a:outerShdw>
+                </a:effectLst>
+              </a:rPr>
+            </a:br>
+            <a:r>
+              <a:rPr lang="en-US" altLang="en-US" dirty="0">
+                <a:effectLst>
+                  <a:outerShdw blurRad="38100" dist="38100" dir="2700000" algn="tl">
+                    <a:srgbClr val="C0C0C0"/>
+                  </a:outerShdw>
+                </a:effectLst>
+              </a:rPr>
+              <a:t>内存映射文件</a:t>
+            </a:r>
             <a:endParaRPr lang="en-US" altLang="en-US" dirty="0">
               <a:effectLst>
                 <a:outerShdw blurRad="38100" dist="38100" dir="2700000" algn="tl">
@@ -23129,13 +23701,32 @@
               <a:rPr lang="en-US" altLang="en-US" dirty="0"/>
               <a:t>Types: </a:t>
             </a:r>
+            <a:r>
+              <a:rPr lang="zh-CN" altLang="en-US" dirty="0">
+                <a:ea typeface="宋体" panose="02010600030101010101" pitchFamily="2" charset="-122"/>
+              </a:rPr>
+              <a:t>类型</a:t>
+            </a:r>
+            <a:r>
+              <a:rPr lang="en-US" altLang="zh-CN" dirty="0">
+                <a:ea typeface="宋体" panose="02010600030101010101" pitchFamily="2" charset="-122"/>
+              </a:rPr>
+              <a:t>:</a:t>
+            </a:r>
             <a:endParaRPr lang="en-US" altLang="en-US" dirty="0"/>
           </a:p>
           <a:p>
             <a:pPr lvl="1"/>
             <a:r>
               <a:rPr lang="en-US" altLang="en-US" dirty="0"/>
-              <a:t>Data</a:t>
+              <a:t>Data.</a:t>
+            </a:r>
+            <a:r>
+              <a:rPr lang="zh-CN" altLang="en-US" dirty="0">
+                <a:latin typeface="+mn-ea"/>
+                <a:ea typeface="+mn-ea"/>
+              </a:rPr>
+              <a:t>数据</a:t>
             </a:r>
             <a:endParaRPr lang="en-US" altLang="en-US" dirty="0"/>
           </a:p>
@@ -23143,7 +23734,7 @@
             <a:pPr lvl="2"/>
             <a:r>
               <a:rPr lang="en-US" altLang="en-US" dirty="0"/>
-              <a:t>Numeric</a:t>
+              <a:t>Numeric.数字</a:t>
             </a:r>
             <a:endParaRPr lang="en-US" altLang="en-US" dirty="0"/>
           </a:p>
@@ -23151,7 +23742,14 @@
             <a:pPr lvl="2"/>
             <a:r>
               <a:rPr lang="en-US" altLang="en-US" dirty="0"/>
-              <a:t>Character</a:t>
+              <a:t>Character.</a:t>
+            </a:r>
+            <a:r>
+              <a:rPr lang="zh-CN" altLang="en-US" dirty="0">
+                <a:latin typeface="+mn-ea"/>
+                <a:ea typeface="+mn-ea"/>
+              </a:rPr>
+              <a:t>字符</a:t>
             </a:r>
             <a:endParaRPr lang="en-US" altLang="en-US" dirty="0"/>
           </a:p>
@@ -23159,7 +23757,14 @@
             <a:pPr lvl="2"/>
             <a:r>
               <a:rPr lang="en-US" altLang="en-US" dirty="0"/>
-              <a:t>Binary</a:t>
+              <a:t>Binary.</a:t>
+            </a:r>
+            <a:r>
+              <a:rPr lang="zh-CN" altLang="en-US" dirty="0">
+                <a:latin typeface="+mn-ea"/>
+                <a:ea typeface="+mn-ea"/>
+              </a:rPr>
+              <a:t>二进制</a:t>
             </a:r>
             <a:endParaRPr lang="en-US" altLang="en-US" dirty="0"/>
           </a:p>
@@ -23167,14 +23772,21 @@
             <a:pPr lvl="1"/>
             <a:r>
               <a:rPr lang="en-US" altLang="en-US" dirty="0"/>
-              <a:t>Program</a:t>
+              <a:t>Program.</a:t>
+            </a:r>
+            <a:r>
+              <a:rPr lang="zh-CN" altLang="en-US" dirty="0">
+                <a:latin typeface="+mn-ea"/>
+                <a:ea typeface="+mn-ea"/>
+              </a:rPr>
+              <a:t>程序</a:t>
             </a:r>
             <a:endParaRPr lang="en-US" altLang="en-US" dirty="0"/>
           </a:p>
           <a:p>
             <a:r>
               <a:rPr lang="en-US" altLang="en-US" dirty="0"/>
-              <a:t>Contents defined by file’s creator</a:t>
+              <a:t>Contents defined by file’s creator.由文件的创建者定义的内容</a:t>
             </a:r>
             <a:endParaRPr lang="en-US" altLang="en-US" dirty="0"/>
           </a:p>
